--- a/PowerPoints/09 - Constraint Analysis.pptx
+++ b/PowerPoints/09 - Constraint Analysis.pptx
@@ -8146,7 +8146,7 @@
               <a:rPr lang="en-US" sz="1800" dirty="0">
                 <a:latin typeface="Consolas" pitchFamily="49" charset="0"/>
               </a:rPr>
-              <a:t>            String </a:t>
+              <a:t>            var </a:t>
             </a:r>
             <a:r>
               <a:rPr lang="en-US" sz="1800" dirty="0" err="1">
@@ -8602,8 +8602,8 @@
         </p:nvSpPr>
         <p:spPr>
           <a:xfrm>
-            <a:off x="458788" y="1363663"/>
-            <a:ext cx="8321040" cy="4935537"/>
+            <a:off x="381000" y="1363663"/>
+            <a:ext cx="8595360" cy="4935537"/>
           </a:xfrm>
         </p:spPr>
         <p:txBody>
@@ -8702,7 +8702,7 @@
               <a:rPr lang="en-US" sz="1800" dirty="0">
                 <a:latin typeface="Consolas" pitchFamily="49" charset="0"/>
               </a:rPr>
-              <a:t>        Expression operand = </a:t>
+              <a:t>        var operand = </a:t>
             </a:r>
             <a:r>
               <a:rPr lang="en-US" sz="1800" dirty="0" err="1">
@@ -8771,7 +8771,7 @@
               <a:rPr lang="en-US" sz="1800" dirty="0">
                 <a:latin typeface="Consolas" pitchFamily="49" charset="0"/>
               </a:rPr>
-              <a:t>        // unary +/- can only be applied to</a:t>
+              <a:t>        // unary +/- can only be applied to an integer expression</a:t>
             </a:r>
           </a:p>
           <a:p>
@@ -8787,7 +8787,31 @@
               <a:rPr lang="en-US" sz="1800" dirty="0">
                 <a:latin typeface="Consolas" pitchFamily="49" charset="0"/>
               </a:rPr>
-              <a:t>        // an integer expression</a:t>
+              <a:t>        if (</a:t>
+            </a:r>
+            <a:r>
+              <a:rPr lang="en-US" sz="1800" dirty="0" err="1">
+                <a:latin typeface="Consolas" pitchFamily="49" charset="0"/>
+              </a:rPr>
+              <a:t>operand.getType</a:t>
+            </a:r>
+            <a:r>
+              <a:rPr lang="en-US" sz="1800" dirty="0">
+                <a:latin typeface="Consolas" pitchFamily="49" charset="0"/>
+              </a:rPr>
+              <a:t>() != </a:t>
+            </a:r>
+            <a:r>
+              <a:rPr lang="en-US" sz="1800" dirty="0" err="1">
+                <a:latin typeface="Consolas" pitchFamily="49" charset="0"/>
+              </a:rPr>
+              <a:t>Type.Integer</a:t>
+            </a:r>
+            <a:r>
+              <a:rPr lang="en-US" sz="1800" dirty="0">
+                <a:latin typeface="Consolas" pitchFamily="49" charset="0"/>
+              </a:rPr>
+              <a:t>)</a:t>
             </a:r>
           </a:p>
           <a:p>
@@ -8803,31 +8827,7 @@
               <a:rPr lang="en-US" sz="1800" dirty="0">
                 <a:latin typeface="Consolas" pitchFamily="49" charset="0"/>
               </a:rPr>
-              <a:t>        if (</a:t>
-            </a:r>
-            <a:r>
-              <a:rPr lang="en-US" sz="1800" dirty="0" err="1">
-                <a:latin typeface="Consolas" pitchFamily="49" charset="0"/>
-              </a:rPr>
-              <a:t>operand.getType</a:t>
-            </a:r>
-            <a:r>
-              <a:rPr lang="en-US" sz="1800" dirty="0">
-                <a:latin typeface="Consolas" pitchFamily="49" charset="0"/>
-              </a:rPr>
-              <a:t>() != </a:t>
-            </a:r>
-            <a:r>
-              <a:rPr lang="en-US" sz="1800" dirty="0" err="1">
-                <a:latin typeface="Consolas" pitchFamily="49" charset="0"/>
-              </a:rPr>
-              <a:t>Type.Integer</a:t>
-            </a:r>
-            <a:r>
-              <a:rPr lang="en-US" sz="1800" dirty="0">
-                <a:latin typeface="Consolas" pitchFamily="49" charset="0"/>
-              </a:rPr>
-              <a:t>)</a:t>
+              <a:t>          {</a:t>
             </a:r>
           </a:p>
           <a:p>
@@ -8843,23 +8843,7 @@
               <a:rPr lang="en-US" sz="1800" dirty="0">
                 <a:latin typeface="Consolas" pitchFamily="49" charset="0"/>
               </a:rPr>
-              <a:t>          {</a:t>
-            </a:r>
-          </a:p>
-          <a:p>
-            <a:pPr marL="182880" indent="0">
-              <a:spcBef>
-                <a:spcPct val="0"/>
-              </a:spcBef>
-              <a:buFontTx/>
-              <a:buNone/>
-              <a:defRPr/>
-            </a:pPr>
-            <a:r>
-              <a:rPr lang="en-US" sz="1800" dirty="0">
-                <a:latin typeface="Consolas" pitchFamily="49" charset="0"/>
-              </a:rPr>
-              <a:t>            String </a:t>
+              <a:t>            var </a:t>
             </a:r>
             <a:r>
               <a:rPr lang="en-US" sz="1800" dirty="0" err="1">
@@ -8871,7 +8855,7 @@
               <a:rPr lang="en-US" sz="1800" dirty="0">
                 <a:latin typeface="Consolas" pitchFamily="49" charset="0"/>
               </a:rPr>
-              <a:t> = "Expression ...";</a:t>
+              <a:t> = "Expression following ...";</a:t>
             </a:r>
           </a:p>
           <a:p>
@@ -9848,6 +9832,18 @@
               <a:rPr lang="en-US" sz="1800" dirty="0">
                 <a:latin typeface="Consolas" panose="020B0609020204030204" pitchFamily="49" charset="0"/>
               </a:rPr>
+              <a:t> </a:t>
+            </a:r>
+            <a:r>
+              <a:rPr lang="en-US" sz="1800" dirty="0" err="1">
+                <a:latin typeface="Consolas" panose="020B0609020204030204" pitchFamily="49" charset="0"/>
+              </a:rPr>
+              <a:t>arrayType</a:t>
+            </a:r>
+            <a:r>
+              <a:rPr lang="en-US" sz="1800" dirty="0">
+                <a:latin typeface="Consolas" panose="020B0609020204030204" pitchFamily="49" charset="0"/>
+              </a:rPr>
               <a:t>)</a:t>
             </a:r>
           </a:p>
@@ -9876,7 +9872,7 @@
               <a:rPr lang="en-US" sz="1800" dirty="0">
                 <a:latin typeface="Consolas" panose="020B0609020204030204" pitchFamily="49" charset="0"/>
               </a:rPr>
-              <a:t>        // Applying the selector effectively changes the</a:t>
+              <a:t>       // Applying the selector effectively changes the</a:t>
             </a:r>
           </a:p>
           <a:p>
@@ -9890,7 +9886,7 @@
               <a:rPr lang="en-US" sz="1800" dirty="0">
                 <a:latin typeface="Consolas" panose="020B0609020204030204" pitchFamily="49" charset="0"/>
               </a:rPr>
-              <a:t>        // variable's type to the element type of the array.</a:t>
+              <a:t>       // variable's type to the element type of the array.</a:t>
             </a:r>
           </a:p>
           <a:p>
@@ -9904,55 +9900,31 @@
               <a:rPr lang="en-US" sz="1800" dirty="0">
                 <a:latin typeface="Consolas" panose="020B0609020204030204" pitchFamily="49" charset="0"/>
               </a:rPr>
-              <a:t>        </a:t>
-            </a:r>
-            <a:r>
-              <a:rPr lang="en-US" sz="1800" dirty="0" err="1">
-                <a:latin typeface="Consolas" panose="020B0609020204030204" pitchFamily="49" charset="0"/>
-              </a:rPr>
-              <a:t>ArrayType</a:t>
-            </a:r>
-            <a:r>
-              <a:rPr lang="en-US" sz="1800" dirty="0">
-                <a:latin typeface="Consolas" panose="020B0609020204030204" pitchFamily="49" charset="0"/>
-              </a:rPr>
-              <a:t> </a:t>
-            </a:r>
-            <a:r>
-              <a:rPr lang="en-US" sz="1800" dirty="0" err="1">
-                <a:latin typeface="Consolas" panose="020B0609020204030204" pitchFamily="49" charset="0"/>
-              </a:rPr>
-              <a:t>arrayType</a:t>
-            </a:r>
-            <a:r>
-              <a:rPr lang="en-US" sz="1800" dirty="0">
-                <a:latin typeface="Consolas" panose="020B0609020204030204" pitchFamily="49" charset="0"/>
-              </a:rPr>
-              <a:t> = (</a:t>
-            </a:r>
-            <a:r>
-              <a:rPr lang="en-US" sz="1800" dirty="0" err="1">
-                <a:latin typeface="Consolas" panose="020B0609020204030204" pitchFamily="49" charset="0"/>
-              </a:rPr>
-              <a:t>ArrayType</a:t>
-            </a:r>
-            <a:r>
-              <a:rPr lang="en-US" sz="1800" dirty="0">
-                <a:latin typeface="Consolas" panose="020B0609020204030204" pitchFamily="49" charset="0"/>
-              </a:rPr>
-              <a:t>) </a:t>
-            </a:r>
-            <a:r>
-              <a:rPr lang="en-US" sz="1800" dirty="0" err="1">
-                <a:latin typeface="Consolas" panose="020B0609020204030204" pitchFamily="49" charset="0"/>
-              </a:rPr>
-              <a:t>getType</a:t>
-            </a:r>
-            <a:r>
-              <a:rPr lang="en-US" sz="1800" dirty="0">
-                <a:latin typeface="Consolas" panose="020B0609020204030204" pitchFamily="49" charset="0"/>
-              </a:rPr>
-              <a:t>();</a:t>
+              <a:t>       </a:t>
+            </a:r>
+            <a:r>
+              <a:rPr lang="en-US" sz="1800" b="1" dirty="0" err="1">
+                <a:latin typeface="Consolas" panose="020B0609020204030204" pitchFamily="49" charset="0"/>
+              </a:rPr>
+              <a:t>setType</a:t>
+            </a:r>
+            <a:r>
+              <a:rPr lang="en-US" sz="1800" b="1" dirty="0">
+                <a:latin typeface="Consolas" panose="020B0609020204030204" pitchFamily="49" charset="0"/>
+              </a:rPr>
+              <a:t>(</a:t>
+            </a:r>
+            <a:r>
+              <a:rPr lang="en-US" sz="1800" b="1" dirty="0" err="1">
+                <a:latin typeface="Consolas" panose="020B0609020204030204" pitchFamily="49" charset="0"/>
+              </a:rPr>
+              <a:t>arrayType.getElementType</a:t>
+            </a:r>
+            <a:r>
+              <a:rPr lang="en-US" sz="1800" b="1" dirty="0">
+                <a:latin typeface="Consolas" panose="020B0609020204030204" pitchFamily="49" charset="0"/>
+              </a:rPr>
+              <a:t>());</a:t>
             </a:r>
           </a:p>
           <a:p>
@@ -9966,45 +9938,7 @@
               <a:rPr lang="en-US" sz="1800" dirty="0">
                 <a:latin typeface="Consolas" panose="020B0609020204030204" pitchFamily="49" charset="0"/>
               </a:rPr>
-              <a:t>        </a:t>
-            </a:r>
-            <a:r>
-              <a:rPr lang="en-US" sz="1800" dirty="0" err="1">
-                <a:latin typeface="Consolas" panose="020B0609020204030204" pitchFamily="49" charset="0"/>
-              </a:rPr>
-              <a:t>setType</a:t>
-            </a:r>
-            <a:r>
-              <a:rPr lang="en-US" sz="1800" dirty="0">
-                <a:latin typeface="Consolas" panose="020B0609020204030204" pitchFamily="49" charset="0"/>
-              </a:rPr>
-              <a:t>(</a:t>
-            </a:r>
-            <a:r>
-              <a:rPr lang="en-US" sz="1800" dirty="0" err="1">
-                <a:latin typeface="Consolas" panose="020B0609020204030204" pitchFamily="49" charset="0"/>
-              </a:rPr>
-              <a:t>arrayType.getElementType</a:t>
-            </a:r>
-            <a:r>
-              <a:rPr lang="en-US" sz="1800" dirty="0">
-                <a:latin typeface="Consolas" panose="020B0609020204030204" pitchFamily="49" charset="0"/>
-              </a:rPr>
-              <a:t>());</a:t>
-            </a:r>
-          </a:p>
-          <a:p>
-            <a:pPr marL="0" indent="0">
-              <a:spcBef>
-                <a:spcPts val="0"/>
-              </a:spcBef>
-              <a:buNone/>
-            </a:pPr>
-            <a:r>
-              <a:rPr lang="en-US" sz="1800" dirty="0">
-                <a:latin typeface="Consolas" panose="020B0609020204030204" pitchFamily="49" charset="0"/>
-              </a:rPr>
-              <a:t>        ...</a:t>
+              <a:t>       ...</a:t>
             </a:r>
           </a:p>
           <a:p>
@@ -10216,7 +10150,7 @@
               <a:rPr lang="en-US" sz="1800" dirty="0">
                 <a:latin typeface="Consolas" panose="020B0609020204030204" pitchFamily="49" charset="0"/>
               </a:rPr>
-              <a:t> else if (</a:t>
+              <a:t>    else if (</a:t>
             </a:r>
             <a:r>
               <a:rPr lang="en-US" sz="1800" dirty="0" err="1">
@@ -10247,6 +10181,18 @@
                 <a:latin typeface="Consolas" panose="020B0609020204030204" pitchFamily="49" charset="0"/>
               </a:rPr>
               <a:t>RecordType</a:t>
+            </a:r>
+            <a:r>
+              <a:rPr lang="en-US" sz="1800" dirty="0">
+                <a:latin typeface="Consolas" panose="020B0609020204030204" pitchFamily="49" charset="0"/>
+              </a:rPr>
+              <a:t> </a:t>
+            </a:r>
+            <a:r>
+              <a:rPr lang="en-US" sz="1800" dirty="0" err="1">
+                <a:latin typeface="Consolas" panose="020B0609020204030204" pitchFamily="49" charset="0"/>
+              </a:rPr>
+              <a:t>recType</a:t>
             </a:r>
             <a:r>
               <a:rPr lang="en-US" sz="1800" dirty="0">
@@ -10280,7 +10226,7 @@
               <a:rPr lang="en-US" sz="1800" dirty="0">
                 <a:latin typeface="Consolas" panose="020B0609020204030204" pitchFamily="49" charset="0"/>
               </a:rPr>
-              <a:t>        ...</a:t>
+              <a:t>        // Applying the selector effectively changes the</a:t>
             </a:r>
           </a:p>
           <a:p>
@@ -10294,7 +10240,7 @@
               <a:rPr lang="en-US" sz="1800" dirty="0">
                 <a:latin typeface="Consolas" panose="020B0609020204030204" pitchFamily="49" charset="0"/>
               </a:rPr>
-              <a:t>        // Applying the selector effectively changes the</a:t>
+              <a:t>        // variable's type to the type of the field.</a:t>
             </a:r>
           </a:p>
           <a:p>
@@ -10308,7 +10254,7 @@
               <a:rPr lang="en-US" sz="1800" dirty="0">
                 <a:latin typeface="Consolas" panose="020B0609020204030204" pitchFamily="49" charset="0"/>
               </a:rPr>
-              <a:t>        // variable's type to the type of the field.</a:t>
+              <a:t>        ...</a:t>
             </a:r>
           </a:p>
           <a:p>
@@ -10322,7 +10268,7 @@
               <a:rPr lang="en-US" sz="1800" dirty="0">
                 <a:latin typeface="Consolas" panose="020B0609020204030204" pitchFamily="49" charset="0"/>
               </a:rPr>
-              <a:t>        ...</a:t>
+              <a:t>      }</a:t>
             </a:r>
           </a:p>
           <a:p>
@@ -10336,7 +10282,43 @@
               <a:rPr lang="en-US" sz="1800" dirty="0">
                 <a:latin typeface="Consolas" panose="020B0609020204030204" pitchFamily="49" charset="0"/>
               </a:rPr>
-              <a:t>      }</a:t>
+              <a:t>    else if (</a:t>
+            </a:r>
+            <a:r>
+              <a:rPr lang="en-US" sz="1800" dirty="0" err="1">
+                <a:latin typeface="Consolas" panose="020B0609020204030204" pitchFamily="49" charset="0"/>
+              </a:rPr>
+              <a:t>getType</a:t>
+            </a:r>
+            <a:r>
+              <a:rPr lang="en-US" sz="1800" dirty="0">
+                <a:latin typeface="Consolas" panose="020B0609020204030204" pitchFamily="49" charset="0"/>
+              </a:rPr>
+              <a:t>() </a:t>
+            </a:r>
+            <a:r>
+              <a:rPr lang="en-US" sz="1800" dirty="0" err="1">
+                <a:latin typeface="Consolas" panose="020B0609020204030204" pitchFamily="49" charset="0"/>
+              </a:rPr>
+              <a:t>instanceof</a:t>
+            </a:r>
+            <a:r>
+              <a:rPr lang="en-US" sz="1800" dirty="0">
+                <a:latin typeface="Consolas" panose="020B0609020204030204" pitchFamily="49" charset="0"/>
+              </a:rPr>
+              <a:t> </a:t>
+            </a:r>
+            <a:r>
+              <a:rPr lang="en-US" sz="1800" dirty="0" err="1">
+                <a:latin typeface="Consolas" panose="020B0609020204030204" pitchFamily="49" charset="0"/>
+              </a:rPr>
+              <a:t>StringType</a:t>
+            </a:r>
+            <a:r>
+              <a:rPr lang="en-US" sz="1800" dirty="0">
+                <a:latin typeface="Consolas" panose="020B0609020204030204" pitchFamily="49" charset="0"/>
+              </a:rPr>
+              <a:t>)</a:t>
             </a:r>
           </a:p>
           <a:p>
@@ -10350,43 +10332,7 @@
               <a:rPr lang="en-US" sz="1800" dirty="0">
                 <a:latin typeface="Consolas" panose="020B0609020204030204" pitchFamily="49" charset="0"/>
               </a:rPr>
-              <a:t>    else if (</a:t>
-            </a:r>
-            <a:r>
-              <a:rPr lang="en-US" sz="1800" dirty="0" err="1">
-                <a:latin typeface="Consolas" panose="020B0609020204030204" pitchFamily="49" charset="0"/>
-              </a:rPr>
-              <a:t>getType</a:t>
-            </a:r>
-            <a:r>
-              <a:rPr lang="en-US" sz="1800" dirty="0">
-                <a:latin typeface="Consolas" panose="020B0609020204030204" pitchFamily="49" charset="0"/>
-              </a:rPr>
-              <a:t>() </a:t>
-            </a:r>
-            <a:r>
-              <a:rPr lang="en-US" sz="1800" dirty="0" err="1">
-                <a:latin typeface="Consolas" panose="020B0609020204030204" pitchFamily="49" charset="0"/>
-              </a:rPr>
-              <a:t>instanceof</a:t>
-            </a:r>
-            <a:r>
-              <a:rPr lang="en-US" sz="1800" dirty="0">
-                <a:latin typeface="Consolas" panose="020B0609020204030204" pitchFamily="49" charset="0"/>
-              </a:rPr>
-              <a:t> </a:t>
-            </a:r>
-            <a:r>
-              <a:rPr lang="en-US" sz="1800" dirty="0" err="1">
-                <a:latin typeface="Consolas" panose="020B0609020204030204" pitchFamily="49" charset="0"/>
-              </a:rPr>
-              <a:t>StringType</a:t>
-            </a:r>
-            <a:r>
-              <a:rPr lang="en-US" sz="1800" dirty="0">
-                <a:latin typeface="Consolas" panose="020B0609020204030204" pitchFamily="49" charset="0"/>
-              </a:rPr>
-              <a:t>)</a:t>
+              <a:t>      {</a:t>
             </a:r>
           </a:p>
           <a:p>
@@ -10400,7 +10346,7 @@
               <a:rPr lang="en-US" sz="1800" dirty="0">
                 <a:latin typeface="Consolas" panose="020B0609020204030204" pitchFamily="49" charset="0"/>
               </a:rPr>
-              <a:t>      {</a:t>
+              <a:t>        // Selector can be field expression .length (Integer)</a:t>
             </a:r>
           </a:p>
           <a:p>
@@ -10414,7 +10360,7 @@
               <a:rPr lang="en-US" sz="1800" dirty="0">
                 <a:latin typeface="Consolas" panose="020B0609020204030204" pitchFamily="49" charset="0"/>
               </a:rPr>
-              <a:t>        // Selector can be field expression .length (Integer)</a:t>
+              <a:t>        // or an index expression for the characters (Char).</a:t>
             </a:r>
           </a:p>
           <a:p>
@@ -10428,7 +10374,7 @@
               <a:rPr lang="en-US" sz="1800" dirty="0">
                 <a:latin typeface="Consolas" panose="020B0609020204030204" pitchFamily="49" charset="0"/>
               </a:rPr>
-              <a:t>        // or an index expression for the characters (Char).</a:t>
+              <a:t>        ...</a:t>
             </a:r>
           </a:p>
           <a:p>
@@ -10442,7 +10388,7 @@
               <a:rPr lang="en-US" sz="1800" dirty="0">
                 <a:latin typeface="Consolas" panose="020B0609020204030204" pitchFamily="49" charset="0"/>
               </a:rPr>
-              <a:t>        ...</a:t>
+              <a:t>      }</a:t>
             </a:r>
           </a:p>
           <a:p>
@@ -10456,7 +10402,7 @@
               <a:rPr lang="en-US" sz="1800" dirty="0">
                 <a:latin typeface="Consolas" panose="020B0609020204030204" pitchFamily="49" charset="0"/>
               </a:rPr>
-              <a:t>      }</a:t>
+              <a:t>    else</a:t>
             </a:r>
           </a:p>
           <a:p>
@@ -10470,7 +10416,7 @@
               <a:rPr lang="en-US" sz="1800" dirty="0">
                 <a:latin typeface="Consolas" panose="020B0609020204030204" pitchFamily="49" charset="0"/>
               </a:rPr>
-              <a:t>    else</a:t>
+              <a:t>      {</a:t>
             </a:r>
           </a:p>
           <a:p>
@@ -10484,7 +10430,19 @@
               <a:rPr lang="en-US" sz="1800" dirty="0">
                 <a:latin typeface="Consolas" panose="020B0609020204030204" pitchFamily="49" charset="0"/>
               </a:rPr>
-              <a:t>      {</a:t>
+              <a:t>        var </a:t>
+            </a:r>
+            <a:r>
+              <a:rPr lang="en-US" sz="1800" dirty="0" err="1">
+                <a:latin typeface="Consolas" panose="020B0609020204030204" pitchFamily="49" charset="0"/>
+              </a:rPr>
+              <a:t>errorMsg</a:t>
+            </a:r>
+            <a:r>
+              <a:rPr lang="en-US" sz="1800" dirty="0">
+                <a:latin typeface="Consolas" panose="020B0609020204030204" pitchFamily="49" charset="0"/>
+              </a:rPr>
+              <a:t> = "Selector expression not allowed ..."</a:t>
             </a:r>
           </a:p>
           <a:p>
@@ -10498,19 +10456,31 @@
               <a:rPr lang="en-US" sz="1800" dirty="0">
                 <a:latin typeface="Consolas" panose="020B0609020204030204" pitchFamily="49" charset="0"/>
               </a:rPr>
-              <a:t>        String </a:t>
+              <a:t>        throw error(</a:t>
             </a:r>
             <a:r>
               <a:rPr lang="en-US" sz="1800" dirty="0" err="1">
                 <a:latin typeface="Consolas" panose="020B0609020204030204" pitchFamily="49" charset="0"/>
               </a:rPr>
+              <a:t>expr.getPosition</a:t>
+            </a:r>
+            <a:r>
+              <a:rPr lang="en-US" sz="1800" dirty="0">
+                <a:latin typeface="Consolas" panose="020B0609020204030204" pitchFamily="49" charset="0"/>
+              </a:rPr>
+              <a:t>(), </a:t>
+            </a:r>
+            <a:r>
+              <a:rPr lang="en-US" sz="1800" dirty="0" err="1">
+                <a:latin typeface="Consolas" panose="020B0609020204030204" pitchFamily="49" charset="0"/>
+              </a:rPr>
               <a:t>errorMsg</a:t>
             </a:r>
             <a:r>
               <a:rPr lang="en-US" sz="1800" dirty="0">
                 <a:latin typeface="Consolas" panose="020B0609020204030204" pitchFamily="49" charset="0"/>
               </a:rPr>
-              <a:t> = "Selector expression not allowed ..."</a:t>
+              <a:t>);</a:t>
             </a:r>
           </a:p>
           <a:p>
@@ -10524,31 +10494,7 @@
               <a:rPr lang="en-US" sz="1800" dirty="0">
                 <a:latin typeface="Consolas" panose="020B0609020204030204" pitchFamily="49" charset="0"/>
               </a:rPr>
-              <a:t>        throw error(</a:t>
-            </a:r>
-            <a:r>
-              <a:rPr lang="en-US" sz="1800" dirty="0" err="1">
-                <a:latin typeface="Consolas" panose="020B0609020204030204" pitchFamily="49" charset="0"/>
-              </a:rPr>
-              <a:t>expr.getPosition</a:t>
-            </a:r>
-            <a:r>
-              <a:rPr lang="en-US" sz="1800" dirty="0">
-                <a:latin typeface="Consolas" panose="020B0609020204030204" pitchFamily="49" charset="0"/>
-              </a:rPr>
-              <a:t>(), </a:t>
-            </a:r>
-            <a:r>
-              <a:rPr lang="en-US" sz="1800" dirty="0" err="1">
-                <a:latin typeface="Consolas" panose="020B0609020204030204" pitchFamily="49" charset="0"/>
-              </a:rPr>
-              <a:t>errorMsg</a:t>
-            </a:r>
-            <a:r>
-              <a:rPr lang="en-US" sz="1800" dirty="0">
-                <a:latin typeface="Consolas" panose="020B0609020204030204" pitchFamily="49" charset="0"/>
-              </a:rPr>
-              <a:t>);</a:t>
+              <a:t>      }</a:t>
             </a:r>
           </a:p>
           <a:p>
@@ -10562,7 +10508,7 @@
               <a:rPr lang="en-US" sz="1800" dirty="0">
                 <a:latin typeface="Consolas" panose="020B0609020204030204" pitchFamily="49" charset="0"/>
               </a:rPr>
-              <a:t>      } </a:t>
+              <a:t>  }</a:t>
             </a:r>
           </a:p>
         </p:txBody>

--- a/PowerPoints/09 - Constraint Analysis.pptx
+++ b/PowerPoints/09 - Constraint Analysis.pptx
@@ -1,14 +1,14 @@
 
 <file path=ppt/presentation.xml><?xml version="1.0" encoding="utf-8"?>
-<p:presentation xmlns:a="http://schemas.openxmlformats.org/drawingml/2006/main" xmlns:r="http://schemas.openxmlformats.org/officeDocument/2006/relationships" xmlns:p="http://schemas.openxmlformats.org/presentationml/2006/main" saveSubsetFonts="1">
+<p:presentation xmlns:a="http://schemas.openxmlformats.org/drawingml/2006/main" xmlns:r="http://schemas.openxmlformats.org/officeDocument/2006/relationships" xmlns:p="http://schemas.openxmlformats.org/presentationml/2006/main" saveSubsetFonts="1" autoCompressPictures="0">
   <p:sldMasterIdLst>
     <p:sldMasterId id="2147483651" r:id="rId1"/>
   </p:sldMasterIdLst>
   <p:notesMasterIdLst>
-    <p:notesMasterId r:id="rId28"/>
+    <p:notesMasterId r:id="rId30"/>
   </p:notesMasterIdLst>
   <p:handoutMasterIdLst>
-    <p:handoutMasterId r:id="rId29"/>
+    <p:handoutMasterId r:id="rId31"/>
   </p:handoutMasterIdLst>
   <p:sldIdLst>
     <p:sldId id="256" r:id="rId2"/>
@@ -35,8 +35,10 @@
     <p:sldId id="286" r:id="rId23"/>
     <p:sldId id="287" r:id="rId24"/>
     <p:sldId id="302" r:id="rId25"/>
-    <p:sldId id="303" r:id="rId26"/>
-    <p:sldId id="304" r:id="rId27"/>
+    <p:sldId id="361" r:id="rId26"/>
+    <p:sldId id="362" r:id="rId27"/>
+    <p:sldId id="303" r:id="rId28"/>
+    <p:sldId id="304" r:id="rId29"/>
   </p:sldIdLst>
   <p:sldSz cx="9144000" cy="6858000" type="screen4x3"/>
   <p:notesSz cx="7315200" cy="9601200"/>
@@ -9326,14 +9328,7 @@
           <a:p>
             <a:r>
               <a:rPr lang="en-US" dirty="0"/>
-              <a:t>Example: Constraint Checking</a:t>
-            </a:r>
-            <a:br>
-              <a:rPr lang="en-US" dirty="0"/>
-            </a:br>
-            <a:r>
-              <a:rPr lang="en-US" dirty="0"/>
-              <a:t>for Class </a:t>
+              <a:t>Constraint Checking for Class </a:t>
             </a:r>
             <a:r>
               <a:rPr lang="en-US" dirty="0">
@@ -9414,97 +9409,6 @@
             <a:r>
               <a:rPr lang="en-US" dirty="0"/>
               <a:t>”.  A selector expression effectively changes the type of the variable.</a:t>
-            </a:r>
-          </a:p>
-          <a:p>
-            <a:pPr marL="457200" lvl="1" indent="0">
-              <a:buNone/>
-            </a:pPr>
-            <a:r>
-              <a:rPr lang="en-US" sz="1800" dirty="0">
-                <a:latin typeface="Consolas" panose="020B0609020204030204" pitchFamily="49" charset="0"/>
-              </a:rPr>
-              <a:t>months                  // type is Months (an array type)</a:t>
-            </a:r>
-          </a:p>
-          <a:p>
-            <a:pPr marL="457200" lvl="1" indent="0">
-              <a:spcBef>
-                <a:spcPts val="200"/>
-              </a:spcBef>
-              <a:buNone/>
-            </a:pPr>
-            <a:r>
-              <a:rPr lang="en-US" sz="1800" dirty="0">
-                <a:latin typeface="Consolas" panose="020B0609020204030204" pitchFamily="49" charset="0"/>
-              </a:rPr>
-              <a:t>months[3]               // type is Month (a record type)</a:t>
-            </a:r>
-          </a:p>
-          <a:p>
-            <a:pPr marL="457200" lvl="1" indent="0">
-              <a:spcBef>
-                <a:spcPts val="200"/>
-              </a:spcBef>
-              <a:buNone/>
-            </a:pPr>
-            <a:r>
-              <a:rPr lang="en-US" sz="1800" dirty="0">
-                <a:latin typeface="Consolas" panose="020B0609020204030204" pitchFamily="49" charset="0"/>
-              </a:rPr>
-              <a:t>months[3].name          // type is </a:t>
-            </a:r>
-            <a:r>
-              <a:rPr lang="en-US" sz="1800" dirty="0" err="1">
-                <a:latin typeface="Consolas" panose="020B0609020204030204" pitchFamily="49" charset="0"/>
-              </a:rPr>
-              <a:t>MonthName</a:t>
-            </a:r>
-            <a:r>
-              <a:rPr lang="en-US" sz="1800" dirty="0">
-                <a:latin typeface="Consolas" panose="020B0609020204030204" pitchFamily="49" charset="0"/>
-              </a:rPr>
-              <a:t> (a string type)</a:t>
-            </a:r>
-          </a:p>
-          <a:p>
-            <a:pPr marL="457200" lvl="1" indent="0">
-              <a:spcBef>
-                <a:spcPts val="200"/>
-              </a:spcBef>
-              <a:buNone/>
-            </a:pPr>
-            <a:r>
-              <a:rPr lang="en-US" sz="1800" dirty="0">
-                <a:latin typeface="Consolas" panose="020B0609020204030204" pitchFamily="49" charset="0"/>
-              </a:rPr>
-              <a:t>months[3].</a:t>
-            </a:r>
-            <a:r>
-              <a:rPr lang="en-US" sz="1800" dirty="0" err="1">
-                <a:latin typeface="Consolas" panose="020B0609020204030204" pitchFamily="49" charset="0"/>
-              </a:rPr>
-              <a:t>name.length</a:t>
-            </a:r>
-            <a:r>
-              <a:rPr lang="en-US" sz="1800" dirty="0">
-                <a:latin typeface="Consolas" panose="020B0609020204030204" pitchFamily="49" charset="0"/>
-              </a:rPr>
-              <a:t>   // type is Integer</a:t>
-            </a:r>
-          </a:p>
-          <a:p>
-            <a:pPr marL="457200" lvl="1" indent="0">
-              <a:spcBef>
-                <a:spcPts val="200"/>
-              </a:spcBef>
-              <a:buNone/>
-            </a:pPr>
-            <a:r>
-              <a:rPr lang="en-US" sz="1800" dirty="0">
-                <a:latin typeface="Consolas" panose="020B0609020204030204" pitchFamily="49" charset="0"/>
-              </a:rPr>
-              <a:t>months[3].name[2]       // type is Char</a:t>
             </a:r>
           </a:p>
         </p:txBody>
@@ -9611,10 +9515,10 @@
       </p:grpSpPr>
       <p:sp>
         <p:nvSpPr>
-          <p:cNvPr id="2" name="Title 1">
+          <p:cNvPr id="8" name="Title 7">
             <a:extLst>
               <a:ext uri="{FF2B5EF4-FFF2-40B4-BE49-F238E27FC236}">
-                <a16:creationId xmlns:a16="http://schemas.microsoft.com/office/drawing/2014/main" id="{E0FB06F2-D08B-8B62-2CD0-ABB81E2EB873}"/>
+                <a16:creationId xmlns:a16="http://schemas.microsoft.com/office/drawing/2014/main" id="{563233BE-B20A-4E38-8D6C-3D8FB41B4336}"/>
               </a:ext>
             </a:extLst>
           </p:cNvPr>
@@ -9632,24 +9536,18 @@
           <a:p>
             <a:r>
               <a:rPr lang="en-US" dirty="0"/>
-              <a:t>Example: Constraint Checking</a:t>
-            </a:r>
-            <a:br>
-              <a:rPr lang="en-US" dirty="0"/>
-            </a:br>
-            <a:r>
-              <a:rPr lang="en-US" dirty="0"/>
-              <a:t>for Class Variable (continued)</a:t>
-            </a:r>
-          </a:p>
-        </p:txBody>
-      </p:sp>
-      <p:sp>
-        <p:nvSpPr>
-          <p:cNvPr id="3" name="Content Placeholder 2">
+              <a:t>Example: Selector Expressions</a:t>
+            </a:r>
+            <a:endParaRPr lang="en-US" sz="2400" dirty="0"/>
+          </a:p>
+        </p:txBody>
+      </p:sp>
+      <p:sp>
+        <p:nvSpPr>
+          <p:cNvPr id="9" name="Content Placeholder 8">
             <a:extLst>
               <a:ext uri="{FF2B5EF4-FFF2-40B4-BE49-F238E27FC236}">
-                <a16:creationId xmlns:a16="http://schemas.microsoft.com/office/drawing/2014/main" id="{B634CBE0-31D0-AAF7-3C2A-D762ABD56B2F}"/>
+                <a16:creationId xmlns:a16="http://schemas.microsoft.com/office/drawing/2014/main" id="{76E1210A-295D-4718-9E1A-27C835EA23E3}"/>
               </a:ext>
             </a:extLst>
           </p:cNvPr>
@@ -9663,16 +9561,45 @@
         <p:spPr>
           <a:xfrm>
             <a:off x="458788" y="1363663"/>
-            <a:ext cx="8226425" cy="4935537"/>
+            <a:ext cx="8229600" cy="4935537"/>
           </a:xfrm>
         </p:spPr>
         <p:txBody>
           <a:bodyPr/>
           <a:lstStyle/>
           <a:p>
-            <a:pPr marL="0" indent="0">
+            <a:r>
+              <a:rPr lang="en-US" dirty="0"/>
+              <a:t>Consider the following declarations.</a:t>
+            </a:r>
+          </a:p>
+          <a:p>
+            <a:pPr marL="457200" lvl="1" indent="0">
+              <a:buNone/>
+            </a:pPr>
+            <a:r>
+              <a:rPr lang="en-US" sz="1800" dirty="0">
+                <a:latin typeface="Consolas" panose="020B0609020204030204" pitchFamily="49" charset="0"/>
+              </a:rPr>
+              <a:t>type </a:t>
+            </a:r>
+            <a:r>
+              <a:rPr lang="en-US" sz="1800" dirty="0" err="1">
+                <a:latin typeface="Consolas" panose="020B0609020204030204" pitchFamily="49" charset="0"/>
+              </a:rPr>
+              <a:t>MonthName</a:t>
+            </a:r>
+            <a:r>
+              <a:rPr lang="en-US" sz="1800" dirty="0">
+                <a:latin typeface="Consolas" panose="020B0609020204030204" pitchFamily="49" charset="0"/>
+              </a:rPr>
+              <a:t> = string[9];</a:t>
+            </a:r>
+          </a:p>
+          <a:p>
+            <a:pPr marL="457200" lvl="1" indent="0">
               <a:spcBef>
-                <a:spcPts val="0"/>
+                <a:spcPts val="300"/>
               </a:spcBef>
               <a:buNone/>
             </a:pPr>
@@ -9680,25 +9607,13 @@
               <a:rPr lang="en-US" sz="1800" dirty="0">
                 <a:latin typeface="Consolas" panose="020B0609020204030204" pitchFamily="49" charset="0"/>
               </a:rPr>
-              <a:t>for (Expression expr : </a:t>
-            </a:r>
-            <a:r>
-              <a:rPr lang="en-US" sz="1800" dirty="0" err="1">
-                <a:latin typeface="Consolas" panose="020B0609020204030204" pitchFamily="49" charset="0"/>
-              </a:rPr>
-              <a:t>selectorExprs</a:t>
-            </a:r>
-            <a:r>
-              <a:rPr lang="en-US" sz="1800" dirty="0">
-                <a:latin typeface="Consolas" panose="020B0609020204030204" pitchFamily="49" charset="0"/>
-              </a:rPr>
-              <a:t>)</a:t>
-            </a:r>
-          </a:p>
-          <a:p>
-            <a:pPr marL="0" indent="0">
+              <a:t>type Month = record</a:t>
+            </a:r>
+          </a:p>
+          <a:p>
+            <a:pPr marL="457200" lvl="1" indent="0">
               <a:spcBef>
-                <a:spcPts val="0"/>
+                <a:spcPts val="300"/>
               </a:spcBef>
               <a:buNone/>
             </a:pPr>
@@ -9710,9 +9625,9 @@
             </a:r>
           </a:p>
           <a:p>
-            <a:pPr marL="0" indent="0">
+            <a:pPr marL="457200" lvl="1" indent="0">
               <a:spcBef>
-                <a:spcPts val="0"/>
+                <a:spcPts val="300"/>
               </a:spcBef>
               <a:buNone/>
             </a:pPr>
@@ -9720,249 +9635,136 @@
               <a:rPr lang="en-US" sz="1800" dirty="0">
                 <a:latin typeface="Consolas" panose="020B0609020204030204" pitchFamily="49" charset="0"/>
               </a:rPr>
-              <a:t>    </a:t>
+              <a:t>    name    : </a:t>
             </a:r>
             <a:r>
               <a:rPr lang="en-US" sz="1800" dirty="0" err="1">
                 <a:latin typeface="Consolas" panose="020B0609020204030204" pitchFamily="49" charset="0"/>
               </a:rPr>
-              <a:t>expr.checkConstraints</a:t>
-            </a:r>
-            <a:r>
-              <a:rPr lang="en-US" sz="1800" dirty="0">
-                <a:latin typeface="Consolas" panose="020B0609020204030204" pitchFamily="49" charset="0"/>
-              </a:rPr>
-              <a:t>();</a:t>
-            </a:r>
-          </a:p>
-          <a:p>
-            <a:pPr marL="0" indent="0">
+              <a:t>MonthName</a:t>
+            </a:r>
+            <a:r>
+              <a:rPr lang="en-US" sz="1800" dirty="0">
+                <a:latin typeface="Consolas" panose="020B0609020204030204" pitchFamily="49" charset="0"/>
+              </a:rPr>
+              <a:t>;</a:t>
+            </a:r>
+          </a:p>
+          <a:p>
+            <a:pPr marL="457200" lvl="1" indent="0">
               <a:spcBef>
-                <a:spcPts val="0"/>
+                <a:spcPts val="300"/>
               </a:spcBef>
               <a:buNone/>
             </a:pPr>
+            <a:r>
+              <a:rPr lang="en-US" sz="1800" dirty="0">
+                <a:latin typeface="Consolas" panose="020B0609020204030204" pitchFamily="49" charset="0"/>
+              </a:rPr>
+              <a:t>    </a:t>
+            </a:r>
+            <a:r>
+              <a:rPr lang="en-US" sz="1800" dirty="0" err="1">
+                <a:latin typeface="Consolas" panose="020B0609020204030204" pitchFamily="49" charset="0"/>
+              </a:rPr>
+              <a:t>maxDays</a:t>
+            </a:r>
+            <a:r>
+              <a:rPr lang="en-US" sz="1800" dirty="0">
+                <a:latin typeface="Consolas" panose="020B0609020204030204" pitchFamily="49" charset="0"/>
+              </a:rPr>
+              <a:t> : Integer;</a:t>
+            </a:r>
+          </a:p>
+          <a:p>
+            <a:pPr marL="457200" lvl="1" indent="0">
+              <a:spcBef>
+                <a:spcPts val="300"/>
+              </a:spcBef>
+              <a:buNone/>
+            </a:pPr>
+            <a:r>
+              <a:rPr lang="en-US" sz="1800" dirty="0">
+                <a:latin typeface="Consolas" panose="020B0609020204030204" pitchFamily="49" charset="0"/>
+              </a:rPr>
+              <a:t>  };</a:t>
+            </a:r>
+          </a:p>
+          <a:p>
+            <a:pPr marL="457200" lvl="1" indent="0">
+              <a:spcBef>
+                <a:spcPts val="300"/>
+              </a:spcBef>
+              <a:buNone/>
+            </a:pPr>
+            <a:r>
+              <a:rPr lang="en-US" sz="1800" dirty="0">
+                <a:latin typeface="Consolas" panose="020B0609020204030204" pitchFamily="49" charset="0"/>
+              </a:rPr>
+              <a:t>type Months = array[13] of Month;   // 1 for "January"</a:t>
+            </a:r>
+          </a:p>
+          <a:p>
+            <a:pPr marL="457200" lvl="1" indent="0">
+              <a:spcBef>
+                <a:spcPts val="300"/>
+              </a:spcBef>
+              <a:buNone/>
+            </a:pPr>
+            <a:r>
+              <a:rPr lang="en-US" sz="1800" dirty="0">
+                <a:latin typeface="Consolas" panose="020B0609020204030204" pitchFamily="49" charset="0"/>
+              </a:rPr>
+              <a:t>var  months : Months;</a:t>
+            </a:r>
+          </a:p>
+          <a:p>
+            <a:r>
+              <a:rPr lang="en-US" dirty="0"/>
+              <a:t>While the declared type of variable </a:t>
+            </a:r>
+            <a:r>
+              <a:rPr lang="en-US" dirty="0">
+                <a:latin typeface="Consolas" panose="020B0609020204030204" pitchFamily="49" charset="0"/>
+              </a:rPr>
+              <a:t>months</a:t>
+            </a:r>
+            <a:r>
+              <a:rPr lang="en-US" dirty="0"/>
+              <a:t> is </a:t>
+            </a:r>
+            <a:r>
+              <a:rPr lang="en-US" dirty="0">
+                <a:latin typeface="Consolas" panose="020B0609020204030204" pitchFamily="49" charset="0"/>
+              </a:rPr>
+              <a:t>Months</a:t>
+            </a:r>
+            <a:r>
+              <a:rPr lang="en-US" dirty="0"/>
+              <a:t>, </a:t>
+            </a:r>
+            <a:r>
+              <a:rPr lang="en-US" dirty="0">
+                <a:latin typeface="Consolas" panose="020B0609020204030204" pitchFamily="49" charset="0"/>
+              </a:rPr>
+              <a:t>months</a:t>
+            </a:r>
+            <a:r>
+              <a:rPr lang="en-US" dirty="0"/>
+              <a:t> can be followed by an index expression, which can be followed by a field expression, which can be followed by …</a:t>
+            </a:r>
             <a:endParaRPr lang="en-US" sz="1800" dirty="0">
               <a:latin typeface="Consolas" panose="020B0609020204030204" pitchFamily="49" charset="0"/>
             </a:endParaRPr>
           </a:p>
-          <a:p>
-            <a:pPr marL="0" indent="0">
-              <a:spcBef>
-                <a:spcPts val="0"/>
-              </a:spcBef>
-              <a:buNone/>
-            </a:pPr>
-            <a:r>
-              <a:rPr lang="en-US" sz="1800" dirty="0">
-                <a:latin typeface="Consolas" panose="020B0609020204030204" pitchFamily="49" charset="0"/>
-              </a:rPr>
-              <a:t>    // Each selector expression must correspond to </a:t>
-            </a:r>
-          </a:p>
-          <a:p>
-            <a:pPr marL="0" indent="0">
-              <a:spcBef>
-                <a:spcPts val="0"/>
-              </a:spcBef>
-              <a:buNone/>
-            </a:pPr>
-            <a:r>
-              <a:rPr lang="en-US" sz="1800" dirty="0">
-                <a:latin typeface="Consolas" panose="020B0609020204030204" pitchFamily="49" charset="0"/>
-              </a:rPr>
-              <a:t>    // an array type, a record type, or a string type.</a:t>
-            </a:r>
-          </a:p>
-          <a:p>
-            <a:pPr marL="0" indent="0">
-              <a:spcBef>
-                <a:spcPts val="0"/>
-              </a:spcBef>
-              <a:buNone/>
-            </a:pPr>
-            <a:endParaRPr lang="en-US" sz="1800" dirty="0">
-              <a:latin typeface="Consolas" panose="020B0609020204030204" pitchFamily="49" charset="0"/>
-            </a:endParaRPr>
-          </a:p>
-          <a:p>
-            <a:pPr marL="0" indent="0">
-              <a:spcBef>
-                <a:spcPts val="0"/>
-              </a:spcBef>
-              <a:buNone/>
-            </a:pPr>
-            <a:r>
-              <a:rPr lang="en-US" sz="1800" dirty="0">
-                <a:latin typeface="Consolas" panose="020B0609020204030204" pitchFamily="49" charset="0"/>
-              </a:rPr>
-              <a:t>    if (</a:t>
-            </a:r>
-            <a:r>
-              <a:rPr lang="en-US" sz="1800" dirty="0" err="1">
-                <a:latin typeface="Consolas" panose="020B0609020204030204" pitchFamily="49" charset="0"/>
-              </a:rPr>
-              <a:t>getType</a:t>
-            </a:r>
-            <a:r>
-              <a:rPr lang="en-US" sz="1800" dirty="0">
-                <a:latin typeface="Consolas" panose="020B0609020204030204" pitchFamily="49" charset="0"/>
-              </a:rPr>
-              <a:t>() </a:t>
-            </a:r>
-            <a:r>
-              <a:rPr lang="en-US" sz="1800" dirty="0" err="1">
-                <a:latin typeface="Consolas" panose="020B0609020204030204" pitchFamily="49" charset="0"/>
-              </a:rPr>
-              <a:t>instanceof</a:t>
-            </a:r>
-            <a:r>
-              <a:rPr lang="en-US" sz="1800" dirty="0">
-                <a:latin typeface="Consolas" panose="020B0609020204030204" pitchFamily="49" charset="0"/>
-              </a:rPr>
-              <a:t> </a:t>
-            </a:r>
-            <a:r>
-              <a:rPr lang="en-US" sz="1800" dirty="0" err="1">
-                <a:latin typeface="Consolas" panose="020B0609020204030204" pitchFamily="49" charset="0"/>
-              </a:rPr>
-              <a:t>ArrayType</a:t>
-            </a:r>
-            <a:r>
-              <a:rPr lang="en-US" sz="1800" dirty="0">
-                <a:latin typeface="Consolas" panose="020B0609020204030204" pitchFamily="49" charset="0"/>
-              </a:rPr>
-              <a:t> </a:t>
-            </a:r>
-            <a:r>
-              <a:rPr lang="en-US" sz="1800" dirty="0" err="1">
-                <a:latin typeface="Consolas" panose="020B0609020204030204" pitchFamily="49" charset="0"/>
-              </a:rPr>
-              <a:t>arrayType</a:t>
-            </a:r>
-            <a:r>
-              <a:rPr lang="en-US" sz="1800" dirty="0">
-                <a:latin typeface="Consolas" panose="020B0609020204030204" pitchFamily="49" charset="0"/>
-              </a:rPr>
-              <a:t>)</a:t>
-            </a:r>
-          </a:p>
-          <a:p>
-            <a:pPr marL="0" indent="0">
-              <a:spcBef>
-                <a:spcPts val="0"/>
-              </a:spcBef>
-              <a:buNone/>
-            </a:pPr>
-            <a:r>
-              <a:rPr lang="en-US" sz="1800" dirty="0">
-                <a:latin typeface="Consolas" panose="020B0609020204030204" pitchFamily="49" charset="0"/>
-              </a:rPr>
-              <a:t>      {</a:t>
-            </a:r>
-          </a:p>
-          <a:p>
-            <a:pPr marL="0" indent="0">
-              <a:spcBef>
-                <a:spcPts val="0"/>
-              </a:spcBef>
-              <a:buNone/>
-            </a:pPr>
-            <a:r>
-              <a:rPr lang="en-US" sz="1800" dirty="0">
-                <a:latin typeface="Consolas" panose="020B0609020204030204" pitchFamily="49" charset="0"/>
-              </a:rPr>
-              <a:t>       // Applying the selector effectively changes the</a:t>
-            </a:r>
-          </a:p>
-          <a:p>
-            <a:pPr marL="0" indent="0">
-              <a:spcBef>
-                <a:spcPts val="0"/>
-              </a:spcBef>
-              <a:buNone/>
-            </a:pPr>
-            <a:r>
-              <a:rPr lang="en-US" sz="1800" dirty="0">
-                <a:latin typeface="Consolas" panose="020B0609020204030204" pitchFamily="49" charset="0"/>
-              </a:rPr>
-              <a:t>       // variable's type to the element type of the array.</a:t>
-            </a:r>
-          </a:p>
-          <a:p>
-            <a:pPr marL="0" indent="0">
-              <a:spcBef>
-                <a:spcPts val="0"/>
-              </a:spcBef>
-              <a:buNone/>
-            </a:pPr>
-            <a:r>
-              <a:rPr lang="en-US" sz="1800" dirty="0">
-                <a:latin typeface="Consolas" panose="020B0609020204030204" pitchFamily="49" charset="0"/>
-              </a:rPr>
-              <a:t>       </a:t>
-            </a:r>
-            <a:r>
-              <a:rPr lang="en-US" sz="1800" b="1" dirty="0" err="1">
-                <a:latin typeface="Consolas" panose="020B0609020204030204" pitchFamily="49" charset="0"/>
-              </a:rPr>
-              <a:t>setType</a:t>
-            </a:r>
-            <a:r>
-              <a:rPr lang="en-US" sz="1800" b="1" dirty="0">
-                <a:latin typeface="Consolas" panose="020B0609020204030204" pitchFamily="49" charset="0"/>
-              </a:rPr>
-              <a:t>(</a:t>
-            </a:r>
-            <a:r>
-              <a:rPr lang="en-US" sz="1800" b="1" dirty="0" err="1">
-                <a:latin typeface="Consolas" panose="020B0609020204030204" pitchFamily="49" charset="0"/>
-              </a:rPr>
-              <a:t>arrayType.getElementType</a:t>
-            </a:r>
-            <a:r>
-              <a:rPr lang="en-US" sz="1800" b="1" dirty="0">
-                <a:latin typeface="Consolas" panose="020B0609020204030204" pitchFamily="49" charset="0"/>
-              </a:rPr>
-              <a:t>());</a:t>
-            </a:r>
-          </a:p>
-          <a:p>
-            <a:pPr marL="0" indent="0">
-              <a:spcBef>
-                <a:spcPts val="0"/>
-              </a:spcBef>
-              <a:buNone/>
-            </a:pPr>
-            <a:r>
-              <a:rPr lang="en-US" sz="1800" dirty="0">
-                <a:latin typeface="Consolas" panose="020B0609020204030204" pitchFamily="49" charset="0"/>
-              </a:rPr>
-              <a:t>       ...</a:t>
-            </a:r>
-          </a:p>
-          <a:p>
-            <a:pPr marL="0" indent="0">
-              <a:spcBef>
-                <a:spcPts val="0"/>
-              </a:spcBef>
-              <a:buNone/>
-            </a:pPr>
-            <a:r>
-              <a:rPr lang="en-US" sz="1800" dirty="0">
-                <a:latin typeface="Consolas" panose="020B0609020204030204" pitchFamily="49" charset="0"/>
-              </a:rPr>
-              <a:t>      }</a:t>
-            </a:r>
-          </a:p>
-        </p:txBody>
-      </p:sp>
-      <p:sp>
-        <p:nvSpPr>
-          <p:cNvPr id="4" name="Footer Placeholder 3">
+        </p:txBody>
+      </p:sp>
+      <p:sp>
+        <p:nvSpPr>
+          <p:cNvPr id="3" name="Footer Placeholder 2">
             <a:extLst>
               <a:ext uri="{FF2B5EF4-FFF2-40B4-BE49-F238E27FC236}">
-                <a16:creationId xmlns:a16="http://schemas.microsoft.com/office/drawing/2014/main" id="{3ED47269-A5FD-6633-5B71-2EF39E529717}"/>
+                <a16:creationId xmlns:a16="http://schemas.microsoft.com/office/drawing/2014/main" id="{5A404E55-B647-4C7C-9D62-C9EA115DC92C}"/>
               </a:ext>
             </a:extLst>
           </p:cNvPr>
@@ -9978,19 +9780,23 @@
           <a:bodyPr/>
           <a:lstStyle/>
           <a:p>
+            <a:pPr>
+              <a:defRPr/>
+            </a:pPr>
             <a:r>
               <a:rPr lang="en-US"/>
               <a:t>©SoftMoore Consulting</a:t>
             </a:r>
-          </a:p>
-        </p:txBody>
-      </p:sp>
-      <p:sp>
-        <p:nvSpPr>
-          <p:cNvPr id="5" name="Slide Number Placeholder 4">
+            <a:endParaRPr lang="en-US" dirty="0"/>
+          </a:p>
+        </p:txBody>
+      </p:sp>
+      <p:sp>
+        <p:nvSpPr>
+          <p:cNvPr id="4" name="Slide Number Placeholder 3">
             <a:extLst>
               <a:ext uri="{FF2B5EF4-FFF2-40B4-BE49-F238E27FC236}">
-                <a16:creationId xmlns:a16="http://schemas.microsoft.com/office/drawing/2014/main" id="{6B85BFF3-FF60-8CC7-248E-5258E0F6ECF9}"/>
+                <a16:creationId xmlns:a16="http://schemas.microsoft.com/office/drawing/2014/main" id="{964B72F4-5156-47A8-BE64-4FAAF4115382}"/>
               </a:ext>
             </a:extLst>
           </p:cNvPr>
@@ -10006,58 +9812,28 @@
           <a:bodyPr/>
           <a:lstStyle/>
           <a:p>
+            <a:pPr>
+              <a:defRPr/>
+            </a:pPr>
             <a:r>
               <a:rPr lang="en-US"/>
               <a:t>Slide </a:t>
             </a:r>
-            <a:fld id="{FC016E02-02BB-476A-9DE0-C405DAA1F827}" type="slidenum">
+            <a:fld id="{0493F5BC-5863-40DB-9BF6-90302664BBE6}" type="slidenum">
               <a:rPr lang="en-US" smtClean="0"/>
-              <a:pPr/>
+              <a:pPr>
+                <a:defRPr/>
+              </a:pPr>
               <a:t>25</a:t>
             </a:fld>
-            <a:endParaRPr lang="en-US"/>
-          </a:p>
-        </p:txBody>
-      </p:sp>
-      <p:sp>
-        <p:nvSpPr>
-          <p:cNvPr id="10" name="TextBox 9">
-            <a:extLst>
-              <a:ext uri="{FF2B5EF4-FFF2-40B4-BE49-F238E27FC236}">
-                <a16:creationId xmlns:a16="http://schemas.microsoft.com/office/drawing/2014/main" id="{740C14A8-F4B6-221F-4BD5-74B2C0927C3E}"/>
-              </a:ext>
-            </a:extLst>
-          </p:cNvPr>
-          <p:cNvSpPr txBox="1"/>
-          <p:nvPr/>
-        </p:nvSpPr>
-        <p:spPr>
-          <a:xfrm>
-            <a:off x="3222913" y="5929868"/>
-            <a:ext cx="2698175" cy="369332"/>
-          </a:xfrm>
-          <a:prstGeom prst="rect">
-            <a:avLst/>
-          </a:prstGeom>
-          <a:noFill/>
-        </p:spPr>
-        <p:txBody>
-          <a:bodyPr wrap="none" rtlCol="0">
-            <a:spAutoFit/>
-          </a:bodyPr>
-          <a:lstStyle/>
-          <a:p>
-            <a:r>
-              <a:rPr lang="en-US" sz="1800" dirty="0"/>
-              <a:t>(continued on next slide)</a:t>
-            </a:r>
+            <a:endParaRPr lang="en-US" dirty="0"/>
           </a:p>
         </p:txBody>
       </p:sp>
     </p:spTree>
     <p:extLst>
       <p:ext uri="{BB962C8B-B14F-4D97-AF65-F5344CB8AC3E}">
-        <p14:creationId xmlns:p14="http://schemas.microsoft.com/office/powerpoint/2010/main" val="371509430"/>
+        <p14:creationId xmlns:p14="http://schemas.microsoft.com/office/powerpoint/2010/main" val="2297179419"/>
       </p:ext>
     </p:extLst>
   </p:cSld>
@@ -10086,6 +9862,267 @@
       </p:grpSpPr>
       <p:sp>
         <p:nvSpPr>
+          <p:cNvPr id="8" name="Title 7">
+            <a:extLst>
+              <a:ext uri="{FF2B5EF4-FFF2-40B4-BE49-F238E27FC236}">
+                <a16:creationId xmlns:a16="http://schemas.microsoft.com/office/drawing/2014/main" id="{563233BE-B20A-4E38-8D6C-3D8FB41B4336}"/>
+              </a:ext>
+            </a:extLst>
+          </p:cNvPr>
+          <p:cNvSpPr>
+            <a:spLocks noGrp="1"/>
+          </p:cNvSpPr>
+          <p:nvPr>
+            <p:ph type="title"/>
+          </p:nvPr>
+        </p:nvSpPr>
+        <p:spPr/>
+        <p:txBody>
+          <a:bodyPr/>
+          <a:lstStyle/>
+          <a:p>
+            <a:r>
+              <a:rPr lang="en-US" dirty="0"/>
+              <a:t>Example: Selector Expressions</a:t>
+            </a:r>
+            <a:br>
+              <a:rPr lang="en-US" dirty="0"/>
+            </a:br>
+            <a:r>
+              <a:rPr lang="en-US" sz="2400" dirty="0"/>
+              <a:t>(continued)</a:t>
+            </a:r>
+          </a:p>
+        </p:txBody>
+      </p:sp>
+      <p:sp>
+        <p:nvSpPr>
+          <p:cNvPr id="7" name="Content Placeholder 6">
+            <a:extLst>
+              <a:ext uri="{FF2B5EF4-FFF2-40B4-BE49-F238E27FC236}">
+                <a16:creationId xmlns:a16="http://schemas.microsoft.com/office/drawing/2014/main" id="{8903809D-C38B-9FA1-C6ED-EBEFC9F433EC}"/>
+              </a:ext>
+            </a:extLst>
+          </p:cNvPr>
+          <p:cNvSpPr>
+            <a:spLocks noGrp="1"/>
+          </p:cNvSpPr>
+          <p:nvPr>
+            <p:ph idx="1"/>
+          </p:nvPr>
+        </p:nvSpPr>
+        <p:spPr/>
+        <p:txBody>
+          <a:bodyPr/>
+          <a:lstStyle/>
+          <a:p>
+            <a:r>
+              <a:rPr lang="en-US" dirty="0"/>
+              <a:t>Applying selector expressions</a:t>
+            </a:r>
+          </a:p>
+          <a:p>
+            <a:pPr marL="457200" lvl="1" indent="0">
+              <a:buNone/>
+            </a:pPr>
+            <a:r>
+              <a:rPr lang="en-US" sz="1800" dirty="0">
+                <a:latin typeface="Consolas" panose="020B0609020204030204" pitchFamily="49" charset="0"/>
+              </a:rPr>
+              <a:t>months                  // type is Months (an array type)</a:t>
+            </a:r>
+          </a:p>
+          <a:p>
+            <a:pPr marL="457200" lvl="1" indent="0">
+              <a:buNone/>
+            </a:pPr>
+            <a:r>
+              <a:rPr lang="en-US" sz="1800" dirty="0">
+                <a:latin typeface="Consolas" panose="020B0609020204030204" pitchFamily="49" charset="0"/>
+              </a:rPr>
+              <a:t>months[3]               // type is Month (a record type)</a:t>
+            </a:r>
+          </a:p>
+          <a:p>
+            <a:pPr marL="457200" lvl="1" indent="0">
+              <a:buNone/>
+            </a:pPr>
+            <a:r>
+              <a:rPr lang="en-US" sz="1800" dirty="0">
+                <a:latin typeface="Consolas" panose="020B0609020204030204" pitchFamily="49" charset="0"/>
+              </a:rPr>
+              <a:t>months[3].</a:t>
+            </a:r>
+            <a:r>
+              <a:rPr lang="en-US" sz="1800" dirty="0" err="1">
+                <a:latin typeface="Consolas" panose="020B0609020204030204" pitchFamily="49" charset="0"/>
+              </a:rPr>
+              <a:t>maxDays</a:t>
+            </a:r>
+            <a:r>
+              <a:rPr lang="en-US" sz="1800" dirty="0">
+                <a:latin typeface="Consolas" panose="020B0609020204030204" pitchFamily="49" charset="0"/>
+              </a:rPr>
+              <a:t>       // type is Integer</a:t>
+            </a:r>
+          </a:p>
+          <a:p>
+            <a:pPr marL="457200" lvl="1" indent="0">
+              <a:buNone/>
+            </a:pPr>
+            <a:r>
+              <a:rPr lang="en-US" sz="1800" dirty="0">
+                <a:latin typeface="Consolas" panose="020B0609020204030204" pitchFamily="49" charset="0"/>
+              </a:rPr>
+              <a:t>months[3].name          // type is </a:t>
+            </a:r>
+            <a:r>
+              <a:rPr lang="en-US" sz="1800" dirty="0" err="1">
+                <a:latin typeface="Consolas" panose="020B0609020204030204" pitchFamily="49" charset="0"/>
+              </a:rPr>
+              <a:t>MonthName</a:t>
+            </a:r>
+            <a:r>
+              <a:rPr lang="en-US" sz="1800" dirty="0">
+                <a:latin typeface="Consolas" panose="020B0609020204030204" pitchFamily="49" charset="0"/>
+              </a:rPr>
+              <a:t> (a string type)</a:t>
+            </a:r>
+          </a:p>
+          <a:p>
+            <a:pPr marL="457200" lvl="1" indent="0">
+              <a:buNone/>
+            </a:pPr>
+            <a:r>
+              <a:rPr lang="en-US" sz="1800" dirty="0">
+                <a:latin typeface="Consolas" panose="020B0609020204030204" pitchFamily="49" charset="0"/>
+              </a:rPr>
+              <a:t>months[3].</a:t>
+            </a:r>
+            <a:r>
+              <a:rPr lang="en-US" sz="1800" dirty="0" err="1">
+                <a:latin typeface="Consolas" panose="020B0609020204030204" pitchFamily="49" charset="0"/>
+              </a:rPr>
+              <a:t>name.length</a:t>
+            </a:r>
+            <a:r>
+              <a:rPr lang="en-US" sz="1800" dirty="0">
+                <a:latin typeface="Consolas" panose="020B0609020204030204" pitchFamily="49" charset="0"/>
+              </a:rPr>
+              <a:t>   // type is Integer</a:t>
+            </a:r>
+          </a:p>
+          <a:p>
+            <a:pPr marL="457200" lvl="1" indent="0">
+              <a:buNone/>
+            </a:pPr>
+            <a:r>
+              <a:rPr lang="en-US" sz="1800" dirty="0">
+                <a:latin typeface="Consolas" panose="020B0609020204030204" pitchFamily="49" charset="0"/>
+              </a:rPr>
+              <a:t>months[3].name[2]       // type is Char</a:t>
+            </a:r>
+          </a:p>
+          <a:p>
+            <a:endParaRPr lang="en-US" dirty="0"/>
+          </a:p>
+        </p:txBody>
+      </p:sp>
+      <p:sp>
+        <p:nvSpPr>
+          <p:cNvPr id="3" name="Footer Placeholder 2">
+            <a:extLst>
+              <a:ext uri="{FF2B5EF4-FFF2-40B4-BE49-F238E27FC236}">
+                <a16:creationId xmlns:a16="http://schemas.microsoft.com/office/drawing/2014/main" id="{5A404E55-B647-4C7C-9D62-C9EA115DC92C}"/>
+              </a:ext>
+            </a:extLst>
+          </p:cNvPr>
+          <p:cNvSpPr>
+            <a:spLocks noGrp="1"/>
+          </p:cNvSpPr>
+          <p:nvPr>
+            <p:ph type="ftr" sz="quarter" idx="10"/>
+          </p:nvPr>
+        </p:nvSpPr>
+        <p:spPr/>
+        <p:txBody>
+          <a:bodyPr/>
+          <a:lstStyle/>
+          <a:p>
+            <a:r>
+              <a:rPr lang="en-US"/>
+              <a:t>©SoftMoore Consulting</a:t>
+            </a:r>
+            <a:endParaRPr lang="en-US" dirty="0"/>
+          </a:p>
+        </p:txBody>
+      </p:sp>
+      <p:sp>
+        <p:nvSpPr>
+          <p:cNvPr id="4" name="Slide Number Placeholder 3">
+            <a:extLst>
+              <a:ext uri="{FF2B5EF4-FFF2-40B4-BE49-F238E27FC236}">
+                <a16:creationId xmlns:a16="http://schemas.microsoft.com/office/drawing/2014/main" id="{964B72F4-5156-47A8-BE64-4FAAF4115382}"/>
+              </a:ext>
+            </a:extLst>
+          </p:cNvPr>
+          <p:cNvSpPr>
+            <a:spLocks noGrp="1"/>
+          </p:cNvSpPr>
+          <p:nvPr>
+            <p:ph type="sldNum" sz="quarter" idx="11"/>
+          </p:nvPr>
+        </p:nvSpPr>
+        <p:spPr/>
+        <p:txBody>
+          <a:bodyPr/>
+          <a:lstStyle/>
+          <a:p>
+            <a:r>
+              <a:rPr lang="en-US"/>
+              <a:t>Slide </a:t>
+            </a:r>
+            <a:fld id="{0493F5BC-5863-40DB-9BF6-90302664BBE6}" type="slidenum">
+              <a:rPr lang="en-US" smtClean="0"/>
+              <a:pPr/>
+              <a:t>26</a:t>
+            </a:fld>
+            <a:endParaRPr lang="en-US" dirty="0"/>
+          </a:p>
+        </p:txBody>
+      </p:sp>
+    </p:spTree>
+    <p:extLst>
+      <p:ext uri="{BB962C8B-B14F-4D97-AF65-F5344CB8AC3E}">
+        <p14:creationId xmlns:p14="http://schemas.microsoft.com/office/powerpoint/2010/main" val="3696512054"/>
+      </p:ext>
+    </p:extLst>
+  </p:cSld>
+  <p:clrMapOvr>
+    <a:masterClrMapping/>
+  </p:clrMapOvr>
+</p:sld>
+</file>
+
+<file path=ppt/slides/slide27.xml><?xml version="1.0" encoding="utf-8"?>
+<p:sld xmlns:a="http://schemas.openxmlformats.org/drawingml/2006/main" xmlns:r="http://schemas.openxmlformats.org/officeDocument/2006/relationships" xmlns:p="http://schemas.openxmlformats.org/presentationml/2006/main">
+  <p:cSld>
+    <p:spTree>
+      <p:nvGrpSpPr>
+        <p:cNvPr id="1" name=""/>
+        <p:cNvGrpSpPr/>
+        <p:nvPr/>
+      </p:nvGrpSpPr>
+      <p:grpSpPr>
+        <a:xfrm>
+          <a:off x="0" y="0"/>
+          <a:ext cx="0" cy="0"/>
+          <a:chOff x="0" y="0"/>
+          <a:chExt cx="0" cy="0"/>
+        </a:xfrm>
+      </p:grpSpPr>
+      <p:sp>
+        <p:nvSpPr>
           <p:cNvPr id="2" name="Title 1">
             <a:extLst>
               <a:ext uri="{FF2B5EF4-FFF2-40B4-BE49-F238E27FC236}">
@@ -10114,7 +10151,13 @@
             </a:br>
             <a:r>
               <a:rPr lang="en-US" dirty="0"/>
-              <a:t>for Class Variable (continued)</a:t>
+              <a:t>for Class </a:t>
+            </a:r>
+            <a:r>
+              <a:rPr lang="en-US" dirty="0">
+                <a:latin typeface="Consolas" panose="020B0609020204030204" pitchFamily="49" charset="0"/>
+              </a:rPr>
+              <a:t>Variable</a:t>
             </a:r>
           </a:p>
         </p:txBody>
@@ -10135,7 +10178,12 @@
             <p:ph idx="1"/>
           </p:nvPr>
         </p:nvSpPr>
-        <p:spPr/>
+        <p:spPr>
+          <a:xfrm>
+            <a:off x="458788" y="1363663"/>
+            <a:ext cx="8226425" cy="4935537"/>
+          </a:xfrm>
+        </p:spPr>
         <p:txBody>
           <a:bodyPr/>
           <a:lstStyle/>
@@ -10150,49 +10198,13 @@
               <a:rPr lang="en-US" sz="1800" dirty="0">
                 <a:latin typeface="Consolas" panose="020B0609020204030204" pitchFamily="49" charset="0"/>
               </a:rPr>
-              <a:t>    else if (</a:t>
+              <a:t>for (Expression expr : </a:t>
             </a:r>
             <a:r>
               <a:rPr lang="en-US" sz="1800" dirty="0" err="1">
                 <a:latin typeface="Consolas" panose="020B0609020204030204" pitchFamily="49" charset="0"/>
               </a:rPr>
-              <a:t>getType</a:t>
-            </a:r>
-            <a:r>
-              <a:rPr lang="en-US" sz="1800" dirty="0">
-                <a:latin typeface="Consolas" panose="020B0609020204030204" pitchFamily="49" charset="0"/>
-              </a:rPr>
-              <a:t>() </a:t>
-            </a:r>
-            <a:r>
-              <a:rPr lang="en-US" sz="1800" dirty="0" err="1">
-                <a:latin typeface="Consolas" panose="020B0609020204030204" pitchFamily="49" charset="0"/>
-              </a:rPr>
-              <a:t>instanceof</a:t>
-            </a:r>
-            <a:r>
-              <a:rPr lang="en-US" sz="1800" dirty="0">
-                <a:latin typeface="Consolas" panose="020B0609020204030204" pitchFamily="49" charset="0"/>
-              </a:rPr>
-              <a:t> </a:t>
-            </a:r>
-            <a:r>
-              <a:rPr lang="en-US" sz="1800" dirty="0" err="1">
-                <a:latin typeface="Consolas" panose="020B0609020204030204" pitchFamily="49" charset="0"/>
-              </a:rPr>
-              <a:t>RecordType</a:t>
-            </a:r>
-            <a:r>
-              <a:rPr lang="en-US" sz="1800" dirty="0">
-                <a:latin typeface="Consolas" panose="020B0609020204030204" pitchFamily="49" charset="0"/>
-              </a:rPr>
-              <a:t> </a:t>
-            </a:r>
-            <a:r>
-              <a:rPr lang="en-US" sz="1800" dirty="0" err="1">
-                <a:latin typeface="Consolas" panose="020B0609020204030204" pitchFamily="49" charset="0"/>
-              </a:rPr>
-              <a:t>recType</a:t>
+              <a:t>selectorExprs</a:t>
             </a:r>
             <a:r>
               <a:rPr lang="en-US" sz="1800" dirty="0">
@@ -10212,7 +10224,7 @@
               <a:rPr lang="en-US" sz="1800" dirty="0">
                 <a:latin typeface="Consolas" panose="020B0609020204030204" pitchFamily="49" charset="0"/>
               </a:rPr>
-              <a:t>      {</a:t>
+              <a:t>  {</a:t>
             </a:r>
           </a:p>
           <a:p>
@@ -10226,7 +10238,19 @@
               <a:rPr lang="en-US" sz="1800" dirty="0">
                 <a:latin typeface="Consolas" panose="020B0609020204030204" pitchFamily="49" charset="0"/>
               </a:rPr>
-              <a:t>        // Applying the selector effectively changes the</a:t>
+              <a:t>    </a:t>
+            </a:r>
+            <a:r>
+              <a:rPr lang="en-US" sz="1800" dirty="0" err="1">
+                <a:latin typeface="Consolas" panose="020B0609020204030204" pitchFamily="49" charset="0"/>
+              </a:rPr>
+              <a:t>expr.checkConstraints</a:t>
+            </a:r>
+            <a:r>
+              <a:rPr lang="en-US" sz="1800" dirty="0">
+                <a:latin typeface="Consolas" panose="020B0609020204030204" pitchFamily="49" charset="0"/>
+              </a:rPr>
+              <a:t>();</a:t>
             </a:r>
           </a:p>
           <a:p>
@@ -10236,12 +10260,9 @@
               </a:spcBef>
               <a:buNone/>
             </a:pPr>
-            <a:r>
-              <a:rPr lang="en-US" sz="1800" dirty="0">
-                <a:latin typeface="Consolas" panose="020B0609020204030204" pitchFamily="49" charset="0"/>
-              </a:rPr>
-              <a:t>        // variable's type to the type of the field.</a:t>
-            </a:r>
+            <a:endParaRPr lang="en-US" sz="1800" dirty="0">
+              <a:latin typeface="Consolas" panose="020B0609020204030204" pitchFamily="49" charset="0"/>
+            </a:endParaRPr>
           </a:p>
           <a:p>
             <a:pPr marL="0" indent="0">
@@ -10254,7 +10275,7 @@
               <a:rPr lang="en-US" sz="1800" dirty="0">
                 <a:latin typeface="Consolas" panose="020B0609020204030204" pitchFamily="49" charset="0"/>
               </a:rPr>
-              <a:t>        ...</a:t>
+              <a:t>    // Each selector expression must correspond to </a:t>
             </a:r>
           </a:p>
           <a:p>
@@ -10268,7 +10289,7 @@
               <a:rPr lang="en-US" sz="1800" dirty="0">
                 <a:latin typeface="Consolas" panose="020B0609020204030204" pitchFamily="49" charset="0"/>
               </a:rPr>
-              <a:t>      }</a:t>
+              <a:t>    // an array type, a record type, or a string type.</a:t>
             </a:r>
           </a:p>
           <a:p>
@@ -10278,48 +10299,9 @@
               </a:spcBef>
               <a:buNone/>
             </a:pPr>
-            <a:r>
-              <a:rPr lang="en-US" sz="1800" dirty="0">
-                <a:latin typeface="Consolas" panose="020B0609020204030204" pitchFamily="49" charset="0"/>
-              </a:rPr>
-              <a:t>    else if (</a:t>
-            </a:r>
-            <a:r>
-              <a:rPr lang="en-US" sz="1800" dirty="0" err="1">
-                <a:latin typeface="Consolas" panose="020B0609020204030204" pitchFamily="49" charset="0"/>
-              </a:rPr>
-              <a:t>getType</a:t>
-            </a:r>
-            <a:r>
-              <a:rPr lang="en-US" sz="1800" dirty="0">
-                <a:latin typeface="Consolas" panose="020B0609020204030204" pitchFamily="49" charset="0"/>
-              </a:rPr>
-              <a:t>() </a:t>
-            </a:r>
-            <a:r>
-              <a:rPr lang="en-US" sz="1800" dirty="0" err="1">
-                <a:latin typeface="Consolas" panose="020B0609020204030204" pitchFamily="49" charset="0"/>
-              </a:rPr>
-              <a:t>instanceof</a:t>
-            </a:r>
-            <a:r>
-              <a:rPr lang="en-US" sz="1800" dirty="0">
-                <a:latin typeface="Consolas" panose="020B0609020204030204" pitchFamily="49" charset="0"/>
-              </a:rPr>
-              <a:t> </a:t>
-            </a:r>
-            <a:r>
-              <a:rPr lang="en-US" sz="1800" dirty="0" err="1">
-                <a:latin typeface="Consolas" panose="020B0609020204030204" pitchFamily="49" charset="0"/>
-              </a:rPr>
-              <a:t>StringType</a:t>
-            </a:r>
-            <a:r>
-              <a:rPr lang="en-US" sz="1800" dirty="0">
-                <a:latin typeface="Consolas" panose="020B0609020204030204" pitchFamily="49" charset="0"/>
-              </a:rPr>
-              <a:t>)</a:t>
-            </a:r>
+            <a:endParaRPr lang="en-US" sz="1800" dirty="0">
+              <a:latin typeface="Consolas" panose="020B0609020204030204" pitchFamily="49" charset="0"/>
+            </a:endParaRPr>
           </a:p>
           <a:p>
             <a:pPr marL="0" indent="0">
@@ -10332,7 +10314,55 @@
               <a:rPr lang="en-US" sz="1800" dirty="0">
                 <a:latin typeface="Consolas" panose="020B0609020204030204" pitchFamily="49" charset="0"/>
               </a:rPr>
-              <a:t>      {</a:t>
+              <a:t>    if (</a:t>
+            </a:r>
+            <a:r>
+              <a:rPr lang="en-US" sz="1800" dirty="0" err="1">
+                <a:latin typeface="Consolas" panose="020B0609020204030204" pitchFamily="49" charset="0"/>
+              </a:rPr>
+              <a:t>getType</a:t>
+            </a:r>
+            <a:r>
+              <a:rPr lang="en-US" sz="1800" dirty="0">
+                <a:latin typeface="Consolas" panose="020B0609020204030204" pitchFamily="49" charset="0"/>
+              </a:rPr>
+              <a:t>() </a:t>
+            </a:r>
+            <a:r>
+              <a:rPr lang="en-US" sz="1800" dirty="0" err="1">
+                <a:latin typeface="Consolas" panose="020B0609020204030204" pitchFamily="49" charset="0"/>
+              </a:rPr>
+              <a:t>instanceof</a:t>
+            </a:r>
+            <a:r>
+              <a:rPr lang="en-US" sz="1800" dirty="0">
+                <a:latin typeface="Consolas" panose="020B0609020204030204" pitchFamily="49" charset="0"/>
+              </a:rPr>
+              <a:t> </a:t>
+            </a:r>
+            <a:r>
+              <a:rPr lang="en-US" sz="1800" dirty="0" err="1">
+                <a:latin typeface="Consolas" panose="020B0609020204030204" pitchFamily="49" charset="0"/>
+              </a:rPr>
+              <a:t>ArrayType</a:t>
+            </a:r>
+            <a:r>
+              <a:rPr lang="en-US" sz="1800" dirty="0">
+                <a:latin typeface="Consolas" panose="020B0609020204030204" pitchFamily="49" charset="0"/>
+              </a:rPr>
+              <a:t> </a:t>
+            </a:r>
+            <a:r>
+              <a:rPr lang="en-US" sz="1800" dirty="0" err="1">
+                <a:latin typeface="Consolas" panose="020B0609020204030204" pitchFamily="49" charset="0"/>
+              </a:rPr>
+              <a:t>arrayType</a:t>
+            </a:r>
+            <a:r>
+              <a:rPr lang="en-US" sz="1800" dirty="0">
+                <a:latin typeface="Consolas" panose="020B0609020204030204" pitchFamily="49" charset="0"/>
+              </a:rPr>
+              <a:t>)</a:t>
             </a:r>
           </a:p>
           <a:p>
@@ -10346,7 +10376,7 @@
               <a:rPr lang="en-US" sz="1800" dirty="0">
                 <a:latin typeface="Consolas" panose="020B0609020204030204" pitchFamily="49" charset="0"/>
               </a:rPr>
-              <a:t>        // Selector can be field expression .length (Integer)</a:t>
+              <a:t>      {</a:t>
             </a:r>
           </a:p>
           <a:p>
@@ -10360,7 +10390,7 @@
               <a:rPr lang="en-US" sz="1800" dirty="0">
                 <a:latin typeface="Consolas" panose="020B0609020204030204" pitchFamily="49" charset="0"/>
               </a:rPr>
-              <a:t>        // or an index expression for the characters (Char).</a:t>
+              <a:t>       // Applying the selector effectively changes the</a:t>
             </a:r>
           </a:p>
           <a:p>
@@ -10374,7 +10404,7 @@
               <a:rPr lang="en-US" sz="1800" dirty="0">
                 <a:latin typeface="Consolas" panose="020B0609020204030204" pitchFamily="49" charset="0"/>
               </a:rPr>
-              <a:t>        ...</a:t>
+              <a:t>       // variable's type to the element type of the array.</a:t>
             </a:r>
           </a:p>
           <a:p>
@@ -10388,7 +10418,31 @@
               <a:rPr lang="en-US" sz="1800" dirty="0">
                 <a:latin typeface="Consolas" panose="020B0609020204030204" pitchFamily="49" charset="0"/>
               </a:rPr>
-              <a:t>      }</a:t>
+              <a:t>       </a:t>
+            </a:r>
+            <a:r>
+              <a:rPr lang="en-US" sz="1800" b="1" dirty="0" err="1">
+                <a:latin typeface="Consolas" panose="020B0609020204030204" pitchFamily="49" charset="0"/>
+              </a:rPr>
+              <a:t>setType</a:t>
+            </a:r>
+            <a:r>
+              <a:rPr lang="en-US" sz="1800" b="1" dirty="0">
+                <a:latin typeface="Consolas" panose="020B0609020204030204" pitchFamily="49" charset="0"/>
+              </a:rPr>
+              <a:t>(</a:t>
+            </a:r>
+            <a:r>
+              <a:rPr lang="en-US" sz="1800" b="1" dirty="0" err="1">
+                <a:latin typeface="Consolas" panose="020B0609020204030204" pitchFamily="49" charset="0"/>
+              </a:rPr>
+              <a:t>arrayType.getElementType</a:t>
+            </a:r>
+            <a:r>
+              <a:rPr lang="en-US" sz="1800" b="1" dirty="0">
+                <a:latin typeface="Consolas" panose="020B0609020204030204" pitchFamily="49" charset="0"/>
+              </a:rPr>
+              <a:t>());</a:t>
             </a:r>
           </a:p>
           <a:p>
@@ -10402,7 +10456,7 @@
               <a:rPr lang="en-US" sz="1800" dirty="0">
                 <a:latin typeface="Consolas" panose="020B0609020204030204" pitchFamily="49" charset="0"/>
               </a:rPr>
-              <a:t>    else</a:t>
+              <a:t>       ...</a:t>
             </a:r>
           </a:p>
           <a:p>
@@ -10416,99 +10470,7 @@
               <a:rPr lang="en-US" sz="1800" dirty="0">
                 <a:latin typeface="Consolas" panose="020B0609020204030204" pitchFamily="49" charset="0"/>
               </a:rPr>
-              <a:t>      {</a:t>
-            </a:r>
-          </a:p>
-          <a:p>
-            <a:pPr marL="0" indent="0">
-              <a:spcBef>
-                <a:spcPts val="0"/>
-              </a:spcBef>
-              <a:buNone/>
-            </a:pPr>
-            <a:r>
-              <a:rPr lang="en-US" sz="1800" dirty="0">
-                <a:latin typeface="Consolas" panose="020B0609020204030204" pitchFamily="49" charset="0"/>
-              </a:rPr>
-              <a:t>        var </a:t>
-            </a:r>
-            <a:r>
-              <a:rPr lang="en-US" sz="1800" dirty="0" err="1">
-                <a:latin typeface="Consolas" panose="020B0609020204030204" pitchFamily="49" charset="0"/>
-              </a:rPr>
-              <a:t>errorMsg</a:t>
-            </a:r>
-            <a:r>
-              <a:rPr lang="en-US" sz="1800" dirty="0">
-                <a:latin typeface="Consolas" panose="020B0609020204030204" pitchFamily="49" charset="0"/>
-              </a:rPr>
-              <a:t> = "Selector expression not allowed ..."</a:t>
-            </a:r>
-          </a:p>
-          <a:p>
-            <a:pPr marL="0" indent="0">
-              <a:spcBef>
-                <a:spcPts val="0"/>
-              </a:spcBef>
-              <a:buNone/>
-            </a:pPr>
-            <a:r>
-              <a:rPr lang="en-US" sz="1800" dirty="0">
-                <a:latin typeface="Consolas" panose="020B0609020204030204" pitchFamily="49" charset="0"/>
-              </a:rPr>
-              <a:t>        throw error(</a:t>
-            </a:r>
-            <a:r>
-              <a:rPr lang="en-US" sz="1800" dirty="0" err="1">
-                <a:latin typeface="Consolas" panose="020B0609020204030204" pitchFamily="49" charset="0"/>
-              </a:rPr>
-              <a:t>expr.getPosition</a:t>
-            </a:r>
-            <a:r>
-              <a:rPr lang="en-US" sz="1800" dirty="0">
-                <a:latin typeface="Consolas" panose="020B0609020204030204" pitchFamily="49" charset="0"/>
-              </a:rPr>
-              <a:t>(), </a:t>
-            </a:r>
-            <a:r>
-              <a:rPr lang="en-US" sz="1800" dirty="0" err="1">
-                <a:latin typeface="Consolas" panose="020B0609020204030204" pitchFamily="49" charset="0"/>
-              </a:rPr>
-              <a:t>errorMsg</a:t>
-            </a:r>
-            <a:r>
-              <a:rPr lang="en-US" sz="1800" dirty="0">
-                <a:latin typeface="Consolas" panose="020B0609020204030204" pitchFamily="49" charset="0"/>
-              </a:rPr>
-              <a:t>);</a:t>
-            </a:r>
-          </a:p>
-          <a:p>
-            <a:pPr marL="0" indent="0">
-              <a:spcBef>
-                <a:spcPts val="0"/>
-              </a:spcBef>
-              <a:buNone/>
-            </a:pPr>
-            <a:r>
-              <a:rPr lang="en-US" sz="1800" dirty="0">
-                <a:latin typeface="Consolas" panose="020B0609020204030204" pitchFamily="49" charset="0"/>
-              </a:rPr>
               <a:t>      }</a:t>
-            </a:r>
-          </a:p>
-          <a:p>
-            <a:pPr marL="0" indent="0">
-              <a:spcBef>
-                <a:spcPts val="0"/>
-              </a:spcBef>
-              <a:buNone/>
-            </a:pPr>
-            <a:r>
-              <a:rPr lang="en-US" sz="1800" dirty="0">
-                <a:latin typeface="Consolas" panose="020B0609020204030204" pitchFamily="49" charset="0"/>
-              </a:rPr>
-              <a:t>  }</a:t>
             </a:r>
           </a:p>
         </p:txBody>
@@ -10569,7 +10531,578 @@
             <a:fld id="{FC016E02-02BB-476A-9DE0-C405DAA1F827}" type="slidenum">
               <a:rPr lang="en-US" smtClean="0"/>
               <a:pPr/>
-              <a:t>26</a:t>
+              <a:t>27</a:t>
+            </a:fld>
+            <a:endParaRPr lang="en-US"/>
+          </a:p>
+        </p:txBody>
+      </p:sp>
+      <p:sp>
+        <p:nvSpPr>
+          <p:cNvPr id="10" name="TextBox 9">
+            <a:extLst>
+              <a:ext uri="{FF2B5EF4-FFF2-40B4-BE49-F238E27FC236}">
+                <a16:creationId xmlns:a16="http://schemas.microsoft.com/office/drawing/2014/main" id="{740C14A8-F4B6-221F-4BD5-74B2C0927C3E}"/>
+              </a:ext>
+            </a:extLst>
+          </p:cNvPr>
+          <p:cNvSpPr txBox="1"/>
+          <p:nvPr/>
+        </p:nvSpPr>
+        <p:spPr>
+          <a:xfrm>
+            <a:off x="3222913" y="5929868"/>
+            <a:ext cx="2698175" cy="369332"/>
+          </a:xfrm>
+          <a:prstGeom prst="rect">
+            <a:avLst/>
+          </a:prstGeom>
+          <a:noFill/>
+        </p:spPr>
+        <p:txBody>
+          <a:bodyPr wrap="none" rtlCol="0">
+            <a:spAutoFit/>
+          </a:bodyPr>
+          <a:lstStyle/>
+          <a:p>
+            <a:r>
+              <a:rPr lang="en-US" sz="1800" dirty="0"/>
+              <a:t>(continued on next slide)</a:t>
+            </a:r>
+          </a:p>
+        </p:txBody>
+      </p:sp>
+    </p:spTree>
+    <p:extLst>
+      <p:ext uri="{BB962C8B-B14F-4D97-AF65-F5344CB8AC3E}">
+        <p14:creationId xmlns:p14="http://schemas.microsoft.com/office/powerpoint/2010/main" val="371509430"/>
+      </p:ext>
+    </p:extLst>
+  </p:cSld>
+  <p:clrMapOvr>
+    <a:masterClrMapping/>
+  </p:clrMapOvr>
+</p:sld>
+</file>
+
+<file path=ppt/slides/slide28.xml><?xml version="1.0" encoding="utf-8"?>
+<p:sld xmlns:a="http://schemas.openxmlformats.org/drawingml/2006/main" xmlns:r="http://schemas.openxmlformats.org/officeDocument/2006/relationships" xmlns:p="http://schemas.openxmlformats.org/presentationml/2006/main">
+  <p:cSld>
+    <p:spTree>
+      <p:nvGrpSpPr>
+        <p:cNvPr id="1" name=""/>
+        <p:cNvGrpSpPr/>
+        <p:nvPr/>
+      </p:nvGrpSpPr>
+      <p:grpSpPr>
+        <a:xfrm>
+          <a:off x="0" y="0"/>
+          <a:ext cx="0" cy="0"/>
+          <a:chOff x="0" y="0"/>
+          <a:chExt cx="0" cy="0"/>
+        </a:xfrm>
+      </p:grpSpPr>
+      <p:sp>
+        <p:nvSpPr>
+          <p:cNvPr id="2" name="Title 1">
+            <a:extLst>
+              <a:ext uri="{FF2B5EF4-FFF2-40B4-BE49-F238E27FC236}">
+                <a16:creationId xmlns:a16="http://schemas.microsoft.com/office/drawing/2014/main" id="{E0FB06F2-D08B-8B62-2CD0-ABB81E2EB873}"/>
+              </a:ext>
+            </a:extLst>
+          </p:cNvPr>
+          <p:cNvSpPr>
+            <a:spLocks noGrp="1"/>
+          </p:cNvSpPr>
+          <p:nvPr>
+            <p:ph type="title"/>
+          </p:nvPr>
+        </p:nvSpPr>
+        <p:spPr/>
+        <p:txBody>
+          <a:bodyPr/>
+          <a:lstStyle/>
+          <a:p>
+            <a:r>
+              <a:rPr lang="en-US" dirty="0"/>
+              <a:t>Example: Constraint Checking</a:t>
+            </a:r>
+            <a:br>
+              <a:rPr lang="en-US" dirty="0"/>
+            </a:br>
+            <a:r>
+              <a:rPr lang="en-US" dirty="0"/>
+              <a:t>for Class </a:t>
+            </a:r>
+            <a:r>
+              <a:rPr lang="en-US" dirty="0">
+                <a:latin typeface="Consolas" panose="020B0609020204030204" pitchFamily="49" charset="0"/>
+              </a:rPr>
+              <a:t>Variable</a:t>
+            </a:r>
+            <a:r>
+              <a:rPr lang="en-US" dirty="0"/>
+              <a:t> </a:t>
+            </a:r>
+            <a:r>
+              <a:rPr lang="en-US" sz="2400" dirty="0"/>
+              <a:t>(continued)</a:t>
+            </a:r>
+            <a:endParaRPr lang="en-US" dirty="0"/>
+          </a:p>
+        </p:txBody>
+      </p:sp>
+      <p:sp>
+        <p:nvSpPr>
+          <p:cNvPr id="3" name="Content Placeholder 2">
+            <a:extLst>
+              <a:ext uri="{FF2B5EF4-FFF2-40B4-BE49-F238E27FC236}">
+                <a16:creationId xmlns:a16="http://schemas.microsoft.com/office/drawing/2014/main" id="{B634CBE0-31D0-AAF7-3C2A-D762ABD56B2F}"/>
+              </a:ext>
+            </a:extLst>
+          </p:cNvPr>
+          <p:cNvSpPr>
+            <a:spLocks noGrp="1"/>
+          </p:cNvSpPr>
+          <p:nvPr>
+            <p:ph idx="1"/>
+          </p:nvPr>
+        </p:nvSpPr>
+        <p:spPr/>
+        <p:txBody>
+          <a:bodyPr/>
+          <a:lstStyle/>
+          <a:p>
+            <a:pPr marL="0" indent="0">
+              <a:spcBef>
+                <a:spcPts val="0"/>
+              </a:spcBef>
+              <a:buNone/>
+            </a:pPr>
+            <a:r>
+              <a:rPr lang="en-US" sz="1800" dirty="0">
+                <a:latin typeface="Consolas" panose="020B0609020204030204" pitchFamily="49" charset="0"/>
+              </a:rPr>
+              <a:t>    else if (</a:t>
+            </a:r>
+            <a:r>
+              <a:rPr lang="en-US" sz="1800" dirty="0" err="1">
+                <a:latin typeface="Consolas" panose="020B0609020204030204" pitchFamily="49" charset="0"/>
+              </a:rPr>
+              <a:t>getType</a:t>
+            </a:r>
+            <a:r>
+              <a:rPr lang="en-US" sz="1800" dirty="0">
+                <a:latin typeface="Consolas" panose="020B0609020204030204" pitchFamily="49" charset="0"/>
+              </a:rPr>
+              <a:t>() </a:t>
+            </a:r>
+            <a:r>
+              <a:rPr lang="en-US" sz="1800" dirty="0" err="1">
+                <a:latin typeface="Consolas" panose="020B0609020204030204" pitchFamily="49" charset="0"/>
+              </a:rPr>
+              <a:t>instanceof</a:t>
+            </a:r>
+            <a:r>
+              <a:rPr lang="en-US" sz="1800" dirty="0">
+                <a:latin typeface="Consolas" panose="020B0609020204030204" pitchFamily="49" charset="0"/>
+              </a:rPr>
+              <a:t> </a:t>
+            </a:r>
+            <a:r>
+              <a:rPr lang="en-US" sz="1800" dirty="0" err="1">
+                <a:latin typeface="Consolas" panose="020B0609020204030204" pitchFamily="49" charset="0"/>
+              </a:rPr>
+              <a:t>RecordType</a:t>
+            </a:r>
+            <a:r>
+              <a:rPr lang="en-US" sz="1800" dirty="0">
+                <a:latin typeface="Consolas" panose="020B0609020204030204" pitchFamily="49" charset="0"/>
+              </a:rPr>
+              <a:t> </a:t>
+            </a:r>
+            <a:r>
+              <a:rPr lang="en-US" sz="1800" dirty="0" err="1">
+                <a:latin typeface="Consolas" panose="020B0609020204030204" pitchFamily="49" charset="0"/>
+              </a:rPr>
+              <a:t>recType</a:t>
+            </a:r>
+            <a:r>
+              <a:rPr lang="en-US" sz="1800" dirty="0">
+                <a:latin typeface="Consolas" panose="020B0609020204030204" pitchFamily="49" charset="0"/>
+              </a:rPr>
+              <a:t>)</a:t>
+            </a:r>
+          </a:p>
+          <a:p>
+            <a:pPr marL="0" indent="0">
+              <a:spcBef>
+                <a:spcPts val="0"/>
+              </a:spcBef>
+              <a:buNone/>
+            </a:pPr>
+            <a:r>
+              <a:rPr lang="en-US" sz="1800" dirty="0">
+                <a:latin typeface="Consolas" panose="020B0609020204030204" pitchFamily="49" charset="0"/>
+              </a:rPr>
+              <a:t>      {</a:t>
+            </a:r>
+          </a:p>
+          <a:p>
+            <a:pPr marL="0" indent="0">
+              <a:spcBef>
+                <a:spcPts val="0"/>
+              </a:spcBef>
+              <a:buNone/>
+            </a:pPr>
+            <a:r>
+              <a:rPr lang="en-US" sz="1800" dirty="0">
+                <a:latin typeface="Consolas" panose="020B0609020204030204" pitchFamily="49" charset="0"/>
+              </a:rPr>
+              <a:t>        // Applying the selector effectively changes the</a:t>
+            </a:r>
+          </a:p>
+          <a:p>
+            <a:pPr marL="0" indent="0">
+              <a:spcBef>
+                <a:spcPts val="0"/>
+              </a:spcBef>
+              <a:buNone/>
+            </a:pPr>
+            <a:r>
+              <a:rPr lang="en-US" sz="1800" dirty="0">
+                <a:latin typeface="Consolas" panose="020B0609020204030204" pitchFamily="49" charset="0"/>
+              </a:rPr>
+              <a:t>        // variable's type to the type of the field.</a:t>
+            </a:r>
+          </a:p>
+          <a:p>
+            <a:pPr marL="0" indent="0">
+              <a:spcBef>
+                <a:spcPts val="0"/>
+              </a:spcBef>
+              <a:buNone/>
+            </a:pPr>
+            <a:r>
+              <a:rPr lang="en-US" sz="1800" dirty="0">
+                <a:latin typeface="Consolas" panose="020B0609020204030204" pitchFamily="49" charset="0"/>
+              </a:rPr>
+              <a:t>        ...</a:t>
+            </a:r>
+          </a:p>
+          <a:p>
+            <a:pPr marL="0" indent="0">
+              <a:spcBef>
+                <a:spcPts val="0"/>
+              </a:spcBef>
+              <a:buNone/>
+            </a:pPr>
+            <a:r>
+              <a:rPr lang="en-US" sz="1800" dirty="0">
+                <a:latin typeface="Consolas" panose="020B0609020204030204" pitchFamily="49" charset="0"/>
+              </a:rPr>
+              <a:t>      }</a:t>
+            </a:r>
+          </a:p>
+          <a:p>
+            <a:pPr marL="0" indent="0">
+              <a:spcBef>
+                <a:spcPts val="0"/>
+              </a:spcBef>
+              <a:buNone/>
+            </a:pPr>
+            <a:r>
+              <a:rPr lang="en-US" sz="1800" dirty="0">
+                <a:latin typeface="Consolas" panose="020B0609020204030204" pitchFamily="49" charset="0"/>
+              </a:rPr>
+              <a:t>    else if (</a:t>
+            </a:r>
+            <a:r>
+              <a:rPr lang="en-US" sz="1800" dirty="0" err="1">
+                <a:latin typeface="Consolas" panose="020B0609020204030204" pitchFamily="49" charset="0"/>
+              </a:rPr>
+              <a:t>getType</a:t>
+            </a:r>
+            <a:r>
+              <a:rPr lang="en-US" sz="1800" dirty="0">
+                <a:latin typeface="Consolas" panose="020B0609020204030204" pitchFamily="49" charset="0"/>
+              </a:rPr>
+              <a:t>() </a:t>
+            </a:r>
+            <a:r>
+              <a:rPr lang="en-US" sz="1800" dirty="0" err="1">
+                <a:latin typeface="Consolas" panose="020B0609020204030204" pitchFamily="49" charset="0"/>
+              </a:rPr>
+              <a:t>instanceof</a:t>
+            </a:r>
+            <a:r>
+              <a:rPr lang="en-US" sz="1800" dirty="0">
+                <a:latin typeface="Consolas" panose="020B0609020204030204" pitchFamily="49" charset="0"/>
+              </a:rPr>
+              <a:t> </a:t>
+            </a:r>
+            <a:r>
+              <a:rPr lang="en-US" sz="1800" dirty="0" err="1">
+                <a:latin typeface="Consolas" panose="020B0609020204030204" pitchFamily="49" charset="0"/>
+              </a:rPr>
+              <a:t>StringType</a:t>
+            </a:r>
+            <a:r>
+              <a:rPr lang="en-US" sz="1800" dirty="0">
+                <a:latin typeface="Consolas" panose="020B0609020204030204" pitchFamily="49" charset="0"/>
+              </a:rPr>
+              <a:t>)</a:t>
+            </a:r>
+          </a:p>
+          <a:p>
+            <a:pPr marL="0" indent="0">
+              <a:spcBef>
+                <a:spcPts val="0"/>
+              </a:spcBef>
+              <a:buNone/>
+            </a:pPr>
+            <a:r>
+              <a:rPr lang="en-US" sz="1800" dirty="0">
+                <a:latin typeface="Consolas" panose="020B0609020204030204" pitchFamily="49" charset="0"/>
+              </a:rPr>
+              <a:t>      {</a:t>
+            </a:r>
+          </a:p>
+          <a:p>
+            <a:pPr marL="0" indent="0">
+              <a:spcBef>
+                <a:spcPts val="0"/>
+              </a:spcBef>
+              <a:buNone/>
+            </a:pPr>
+            <a:r>
+              <a:rPr lang="en-US" sz="1800" dirty="0">
+                <a:latin typeface="Consolas" panose="020B0609020204030204" pitchFamily="49" charset="0"/>
+              </a:rPr>
+              <a:t>        // Selector can be field expression .length (Integer)</a:t>
+            </a:r>
+          </a:p>
+          <a:p>
+            <a:pPr marL="0" indent="0">
+              <a:spcBef>
+                <a:spcPts val="0"/>
+              </a:spcBef>
+              <a:buNone/>
+            </a:pPr>
+            <a:r>
+              <a:rPr lang="en-US" sz="1800" dirty="0">
+                <a:latin typeface="Consolas" panose="020B0609020204030204" pitchFamily="49" charset="0"/>
+              </a:rPr>
+              <a:t>        // or an index expression for the characters (Char).</a:t>
+            </a:r>
+          </a:p>
+          <a:p>
+            <a:pPr marL="0" indent="0">
+              <a:spcBef>
+                <a:spcPts val="0"/>
+              </a:spcBef>
+              <a:buNone/>
+            </a:pPr>
+            <a:r>
+              <a:rPr lang="en-US" sz="1800" dirty="0">
+                <a:latin typeface="Consolas" panose="020B0609020204030204" pitchFamily="49" charset="0"/>
+              </a:rPr>
+              <a:t>        ...</a:t>
+            </a:r>
+          </a:p>
+          <a:p>
+            <a:pPr marL="0" indent="0">
+              <a:spcBef>
+                <a:spcPts val="0"/>
+              </a:spcBef>
+              <a:buNone/>
+            </a:pPr>
+            <a:r>
+              <a:rPr lang="en-US" sz="1800" dirty="0">
+                <a:latin typeface="Consolas" panose="020B0609020204030204" pitchFamily="49" charset="0"/>
+              </a:rPr>
+              <a:t>      }</a:t>
+            </a:r>
+          </a:p>
+          <a:p>
+            <a:pPr marL="0" indent="0">
+              <a:spcBef>
+                <a:spcPts val="0"/>
+              </a:spcBef>
+              <a:buNone/>
+            </a:pPr>
+            <a:r>
+              <a:rPr lang="en-US" sz="1800" dirty="0">
+                <a:latin typeface="Consolas" panose="020B0609020204030204" pitchFamily="49" charset="0"/>
+              </a:rPr>
+              <a:t>    else</a:t>
+            </a:r>
+          </a:p>
+          <a:p>
+            <a:pPr marL="0" indent="0">
+              <a:spcBef>
+                <a:spcPts val="0"/>
+              </a:spcBef>
+              <a:buNone/>
+            </a:pPr>
+            <a:r>
+              <a:rPr lang="en-US" sz="1800" dirty="0">
+                <a:latin typeface="Consolas" panose="020B0609020204030204" pitchFamily="49" charset="0"/>
+              </a:rPr>
+              <a:t>      {</a:t>
+            </a:r>
+          </a:p>
+          <a:p>
+            <a:pPr marL="0" indent="0">
+              <a:spcBef>
+                <a:spcPts val="0"/>
+              </a:spcBef>
+              <a:buNone/>
+            </a:pPr>
+            <a:r>
+              <a:rPr lang="en-US" sz="1800" dirty="0">
+                <a:latin typeface="Consolas" panose="020B0609020204030204" pitchFamily="49" charset="0"/>
+              </a:rPr>
+              <a:t>        var </a:t>
+            </a:r>
+            <a:r>
+              <a:rPr lang="en-US" sz="1800" dirty="0" err="1">
+                <a:latin typeface="Consolas" panose="020B0609020204030204" pitchFamily="49" charset="0"/>
+              </a:rPr>
+              <a:t>errorMsg</a:t>
+            </a:r>
+            <a:r>
+              <a:rPr lang="en-US" sz="1800" dirty="0">
+                <a:latin typeface="Consolas" panose="020B0609020204030204" pitchFamily="49" charset="0"/>
+              </a:rPr>
+              <a:t> = "Selector expression not allowed ..."</a:t>
+            </a:r>
+          </a:p>
+          <a:p>
+            <a:pPr marL="0" indent="0">
+              <a:spcBef>
+                <a:spcPts val="0"/>
+              </a:spcBef>
+              <a:buNone/>
+            </a:pPr>
+            <a:r>
+              <a:rPr lang="en-US" sz="1800" dirty="0">
+                <a:latin typeface="Consolas" panose="020B0609020204030204" pitchFamily="49" charset="0"/>
+              </a:rPr>
+              <a:t>        throw error(</a:t>
+            </a:r>
+            <a:r>
+              <a:rPr lang="en-US" sz="1800" dirty="0" err="1">
+                <a:latin typeface="Consolas" panose="020B0609020204030204" pitchFamily="49" charset="0"/>
+              </a:rPr>
+              <a:t>expr.getPosition</a:t>
+            </a:r>
+            <a:r>
+              <a:rPr lang="en-US" sz="1800" dirty="0">
+                <a:latin typeface="Consolas" panose="020B0609020204030204" pitchFamily="49" charset="0"/>
+              </a:rPr>
+              <a:t>(), </a:t>
+            </a:r>
+            <a:r>
+              <a:rPr lang="en-US" sz="1800" dirty="0" err="1">
+                <a:latin typeface="Consolas" panose="020B0609020204030204" pitchFamily="49" charset="0"/>
+              </a:rPr>
+              <a:t>errorMsg</a:t>
+            </a:r>
+            <a:r>
+              <a:rPr lang="en-US" sz="1800" dirty="0">
+                <a:latin typeface="Consolas" panose="020B0609020204030204" pitchFamily="49" charset="0"/>
+              </a:rPr>
+              <a:t>);</a:t>
+            </a:r>
+          </a:p>
+          <a:p>
+            <a:pPr marL="0" indent="0">
+              <a:spcBef>
+                <a:spcPts val="0"/>
+              </a:spcBef>
+              <a:buNone/>
+            </a:pPr>
+            <a:r>
+              <a:rPr lang="en-US" sz="1800" dirty="0">
+                <a:latin typeface="Consolas" panose="020B0609020204030204" pitchFamily="49" charset="0"/>
+              </a:rPr>
+              <a:t>      }</a:t>
+            </a:r>
+          </a:p>
+          <a:p>
+            <a:pPr marL="0" indent="0">
+              <a:spcBef>
+                <a:spcPts val="0"/>
+              </a:spcBef>
+              <a:buNone/>
+            </a:pPr>
+            <a:r>
+              <a:rPr lang="en-US" sz="1800" dirty="0">
+                <a:latin typeface="Consolas" panose="020B0609020204030204" pitchFamily="49" charset="0"/>
+              </a:rPr>
+              <a:t>  }</a:t>
+            </a:r>
+          </a:p>
+        </p:txBody>
+      </p:sp>
+      <p:sp>
+        <p:nvSpPr>
+          <p:cNvPr id="4" name="Footer Placeholder 3">
+            <a:extLst>
+              <a:ext uri="{FF2B5EF4-FFF2-40B4-BE49-F238E27FC236}">
+                <a16:creationId xmlns:a16="http://schemas.microsoft.com/office/drawing/2014/main" id="{3ED47269-A5FD-6633-5B71-2EF39E529717}"/>
+              </a:ext>
+            </a:extLst>
+          </p:cNvPr>
+          <p:cNvSpPr>
+            <a:spLocks noGrp="1"/>
+          </p:cNvSpPr>
+          <p:nvPr>
+            <p:ph type="ftr" sz="quarter" idx="10"/>
+          </p:nvPr>
+        </p:nvSpPr>
+        <p:spPr/>
+        <p:txBody>
+          <a:bodyPr/>
+          <a:lstStyle/>
+          <a:p>
+            <a:r>
+              <a:rPr lang="en-US"/>
+              <a:t>©SoftMoore Consulting</a:t>
+            </a:r>
+          </a:p>
+        </p:txBody>
+      </p:sp>
+      <p:sp>
+        <p:nvSpPr>
+          <p:cNvPr id="5" name="Slide Number Placeholder 4">
+            <a:extLst>
+              <a:ext uri="{FF2B5EF4-FFF2-40B4-BE49-F238E27FC236}">
+                <a16:creationId xmlns:a16="http://schemas.microsoft.com/office/drawing/2014/main" id="{6B85BFF3-FF60-8CC7-248E-5258E0F6ECF9}"/>
+              </a:ext>
+            </a:extLst>
+          </p:cNvPr>
+          <p:cNvSpPr>
+            <a:spLocks noGrp="1"/>
+          </p:cNvSpPr>
+          <p:nvPr>
+            <p:ph type="sldNum" sz="quarter" idx="11"/>
+          </p:nvPr>
+        </p:nvSpPr>
+        <p:spPr/>
+        <p:txBody>
+          <a:bodyPr/>
+          <a:lstStyle/>
+          <a:p>
+            <a:r>
+              <a:rPr lang="en-US"/>
+              <a:t>Slide </a:t>
+            </a:r>
+            <a:fld id="{FC016E02-02BB-476A-9DE0-C405DAA1F827}" type="slidenum">
+              <a:rPr lang="en-US" smtClean="0"/>
+              <a:pPr/>
+              <a:t>28</a:t>
             </a:fld>
             <a:endParaRPr lang="en-US"/>
           </a:p>

--- a/PowerPoints/09 - Constraint Analysis.pptx
+++ b/PowerPoints/09 - Constraint Analysis.pptx
@@ -8118,7 +8118,7 @@
               <a:rPr lang="en-US" sz="1800" dirty="0">
                 <a:latin typeface="Consolas" pitchFamily="49" charset="0"/>
               </a:rPr>
-              <a:t>(), expr.getType()))</a:t>
+              <a:t>(), expr)</a:t>
             </a:r>
           </a:p>
           <a:p>

--- a/PowerPoints/09 - Constraint Analysis.pptx
+++ b/PowerPoints/09 - Constraint Analysis.pptx
@@ -5331,7 +5331,7 @@
           <a:p>
             <a:r>
               <a:rPr lang="en-US" dirty="0"/>
-              <a:t>For an assignment statement, the type of the variable on the left side of the assignment symbol must be assignment compatible with the type of the expression on the right side.</a:t>
+              <a:t>For an assignment statement, the type of the expression on the right side of the assignment symbol must be assignment compatible with the type of the variable on the left side.</a:t>
             </a:r>
           </a:p>
           <a:p>
@@ -8773,7 +8773,19 @@
               <a:rPr lang="en-US" sz="1800" dirty="0">
                 <a:latin typeface="Consolas" pitchFamily="49" charset="0"/>
               </a:rPr>
-              <a:t>        // unary +/- can only be applied to an integer expression</a:t>
+              <a:t>        </a:t>
+            </a:r>
+            <a:r>
+              <a:rPr lang="en-US" sz="1800">
+                <a:latin typeface="Consolas" pitchFamily="49" charset="0"/>
+              </a:rPr>
+              <a:t>// negation </a:t>
+            </a:r>
+            <a:r>
+              <a:rPr lang="en-US" sz="1800" dirty="0">
+                <a:latin typeface="Consolas" pitchFamily="49" charset="0"/>
+              </a:rPr>
+              <a:t>can only be applied to an integer expression</a:t>
             </a:r>
           </a:p>
           <a:p>

--- a/PowerPoints/09 - Constraint Analysis.pptx
+++ b/PowerPoints/09 - Constraint Analysis.pptx
@@ -7260,7 +7260,7 @@
             </a:r>
             <a:r>
               <a:rPr lang="en-US" dirty="0"/>
-              <a:t>, or a user defined string type.  (Output is supported only for integers, characters, </a:t>
+              <a:t>, or a string type.  Output is supported only for integers, characters, </a:t>
             </a:r>
             <a:r>
               <a:rPr lang="en-US" dirty="0" err="1"/>
@@ -7268,7 +7268,7 @@
             </a:r>
             <a:r>
               <a:rPr lang="en-US" dirty="0"/>
-              <a:t>, and strings.)</a:t>
+              <a:t>, and strings.</a:t>
             </a:r>
           </a:p>
           <a:p>
@@ -7306,8 +7306,21 @@
             </a:r>
             <a:r>
               <a:rPr lang="en-US" dirty="0"/>
-              <a:t>, or a programmer-defined string type.  (Input is supported only for integers, characters, and strings.)</a:t>
-            </a:r>
+              <a:t>, or a string type.  </a:t>
+            </a:r>
+            <a:r>
+              <a:rPr lang="en-US"/>
+              <a:t>Input </a:t>
+            </a:r>
+            <a:r>
+              <a:rPr lang="en-US" dirty="0"/>
+              <a:t>is supported only for integers, characters, and </a:t>
+            </a:r>
+            <a:r>
+              <a:rPr lang="en-US"/>
+              <a:t>strings.</a:t>
+            </a:r>
+            <a:endParaRPr lang="en-US" dirty="0"/>
           </a:p>
           <a:p>
             <a:endParaRPr lang="en-US" dirty="0"/>

--- a/PowerPoints/09 - Constraint Analysis.pptx
+++ b/PowerPoints/09 - Constraint Analysis.pptx
@@ -8131,8 +8131,17 @@
               <a:rPr lang="en-US" sz="1800" dirty="0">
                 <a:latin typeface="Consolas" pitchFamily="49" charset="0"/>
               </a:rPr>
-              <a:t>(), expr)</a:t>
-            </a:r>
+              <a:t>(), </a:t>
+            </a:r>
+            <a:r>
+              <a:rPr lang="en-US" sz="1800">
+                <a:latin typeface="Consolas" pitchFamily="49" charset="0"/>
+              </a:rPr>
+              <a:t>expr))</a:t>
+            </a:r>
+            <a:endParaRPr lang="en-US" sz="1800" dirty="0">
+              <a:latin typeface="Consolas" pitchFamily="49" charset="0"/>
+            </a:endParaRPr>
           </a:p>
           <a:p>
             <a:pPr marL="182880" indent="0">

--- a/PowerPoints/09 - Constraint Analysis.pptx
+++ b/PowerPoints/09 - Constraint Analysis.pptx
@@ -7306,21 +7306,8 @@
             </a:r>
             <a:r>
               <a:rPr lang="en-US" dirty="0"/>
-              <a:t>, or a string type.  </a:t>
-            </a:r>
-            <a:r>
-              <a:rPr lang="en-US"/>
-              <a:t>Input </a:t>
-            </a:r>
-            <a:r>
-              <a:rPr lang="en-US" dirty="0"/>
-              <a:t>is supported only for integers, characters, and </a:t>
-            </a:r>
-            <a:r>
-              <a:rPr lang="en-US"/>
-              <a:t>strings.</a:t>
-            </a:r>
-            <a:endParaRPr lang="en-US" dirty="0"/>
+              <a:t>, or a string type.  Input is supported only for integers, characters, and strings.</a:t>
+            </a:r>
           </a:p>
           <a:p>
             <a:endParaRPr lang="en-US" dirty="0"/>
